--- a/TARIFFS AND THE COUNTRIES THAT COULD BE IMPACTED.pptx
+++ b/TARIFFS AND THE COUNTRIES THAT COULD BE IMPACTED.pptx
@@ -16,11 +16,14 @@
     <p:sldId id="262" r:id="rId10"/>
     <p:sldId id="265" r:id="rId11"/>
     <p:sldId id="263" r:id="rId12"/>
-    <p:sldId id="264" r:id="rId13"/>
-    <p:sldId id="271" r:id="rId14"/>
-    <p:sldId id="266" r:id="rId15"/>
-    <p:sldId id="267" r:id="rId16"/>
-    <p:sldId id="268" r:id="rId17"/>
+    <p:sldId id="271" r:id="rId13"/>
+    <p:sldId id="273" r:id="rId14"/>
+    <p:sldId id="274" r:id="rId15"/>
+    <p:sldId id="264" r:id="rId16"/>
+    <p:sldId id="272" r:id="rId17"/>
+    <p:sldId id="267" r:id="rId18"/>
+    <p:sldId id="266" r:id="rId19"/>
+    <p:sldId id="268" r:id="rId20"/>
   </p:sldIdLst>
   <p:sldSz cx="12192000" cy="6858000"/>
   <p:notesSz cx="6858000" cy="9144000"/>
@@ -119,7 +122,574 @@
       </a:defRPr>
     </a:lvl9pPr>
   </p:defaultTextStyle>
+  <p:extLst>
+    <p:ext uri="{EFAFB233-063F-42B5-8137-9DF3F51BA10A}">
+      <p15:sldGuideLst xmlns:p15="http://schemas.microsoft.com/office/powerpoint/2012/main"/>
+    </p:ext>
+  </p:extLst>
 </p:presentation>
+</file>
+
+<file path=ppt/revisionInfo.xml><?xml version="1.0" encoding="utf-8"?>
+<p1510:revInfo xmlns:a="http://schemas.openxmlformats.org/drawingml/2006/main" xmlns:r="http://schemas.openxmlformats.org/officeDocument/2006/relationships" xmlns:p1510="http://schemas.microsoft.com/office/powerpoint/2015/10/main">
+  <p1510:revLst>
+    <p1510:client id="{7D57E2DE-B908-4059-B04B-4B378F6BF449}" v="50" dt="2024-12-13T01:02:37.293"/>
+  </p1510:revLst>
+</p1510:revInfo>
+</file>
+
+<file path=ppt/changesInfos/changesInfo1.xml><?xml version="1.0" encoding="utf-8"?>
+<pc:chgInfo xmlns:a="http://schemas.openxmlformats.org/drawingml/2006/main" xmlns:r="http://schemas.openxmlformats.org/officeDocument/2006/relationships" xmlns:ac="http://schemas.microsoft.com/office/drawing/2013/main/command" xmlns:pc="http://schemas.microsoft.com/office/powerpoint/2013/main/command">
+  <pc:docChgLst>
+    <pc:chgData name="Issac Thomas" userId="52642c48ef0ba92c" providerId="LiveId" clId="{7D57E2DE-B908-4059-B04B-4B378F6BF449}"/>
+    <pc:docChg chg="undo custSel addSld modSld sldOrd">
+      <pc:chgData name="Issac Thomas" userId="52642c48ef0ba92c" providerId="LiveId" clId="{7D57E2DE-B908-4059-B04B-4B378F6BF449}" dt="2024-12-13T01:02:37.293" v="936" actId="20577"/>
+      <pc:docMkLst>
+        <pc:docMk/>
+      </pc:docMkLst>
+      <pc:sldChg chg="delSp modSp mod">
+        <pc:chgData name="Issac Thomas" userId="52642c48ef0ba92c" providerId="LiveId" clId="{7D57E2DE-B908-4059-B04B-4B378F6BF449}" dt="2024-12-13T01:02:37.293" v="936" actId="20577"/>
+        <pc:sldMkLst>
+          <pc:docMk/>
+          <pc:sldMk cId="3102858446" sldId="256"/>
+        </pc:sldMkLst>
+        <pc:spChg chg="del">
+          <ac:chgData name="Issac Thomas" userId="52642c48ef0ba92c" providerId="LiveId" clId="{7D57E2DE-B908-4059-B04B-4B378F6BF449}" dt="2024-12-12T20:34:04.803" v="513" actId="478"/>
+          <ac:spMkLst>
+            <pc:docMk/>
+            <pc:sldMk cId="3102858446" sldId="256"/>
+            <ac:spMk id="3" creationId="{CC9F0593-92A1-3A75-B3F7-5B86949E5345}"/>
+          </ac:spMkLst>
+        </pc:spChg>
+        <pc:spChg chg="mod">
+          <ac:chgData name="Issac Thomas" userId="52642c48ef0ba92c" providerId="LiveId" clId="{7D57E2DE-B908-4059-B04B-4B378F6BF449}" dt="2024-12-13T01:02:37.293" v="936" actId="20577"/>
+          <ac:spMkLst>
+            <pc:docMk/>
+            <pc:sldMk cId="3102858446" sldId="256"/>
+            <ac:spMk id="4" creationId="{EAC39BE3-4D30-2F48-94C9-3CF26F6683D2}"/>
+          </ac:spMkLst>
+        </pc:spChg>
+      </pc:sldChg>
+      <pc:sldChg chg="modSp mod">
+        <pc:chgData name="Issac Thomas" userId="52642c48ef0ba92c" providerId="LiveId" clId="{7D57E2DE-B908-4059-B04B-4B378F6BF449}" dt="2024-12-13T00:45:27.043" v="883" actId="20577"/>
+        <pc:sldMkLst>
+          <pc:docMk/>
+          <pc:sldMk cId="3774740045" sldId="257"/>
+        </pc:sldMkLst>
+        <pc:spChg chg="mod">
+          <ac:chgData name="Issac Thomas" userId="52642c48ef0ba92c" providerId="LiveId" clId="{7D57E2DE-B908-4059-B04B-4B378F6BF449}" dt="2024-12-12T20:34:41.213" v="518" actId="20577"/>
+          <ac:spMkLst>
+            <pc:docMk/>
+            <pc:sldMk cId="3774740045" sldId="257"/>
+            <ac:spMk id="4" creationId="{216B54C8-F5CA-FB64-9B99-8EAE79E86F1F}"/>
+          </ac:spMkLst>
+        </pc:spChg>
+        <pc:spChg chg="mod">
+          <ac:chgData name="Issac Thomas" userId="52642c48ef0ba92c" providerId="LiveId" clId="{7D57E2DE-B908-4059-B04B-4B378F6BF449}" dt="2024-12-12T20:38:08.643" v="632" actId="20577"/>
+          <ac:spMkLst>
+            <pc:docMk/>
+            <pc:sldMk cId="3774740045" sldId="257"/>
+            <ac:spMk id="5" creationId="{249EABB1-39DE-2008-390F-8C82D9BE5133}"/>
+          </ac:spMkLst>
+        </pc:spChg>
+        <pc:spChg chg="mod">
+          <ac:chgData name="Issac Thomas" userId="52642c48ef0ba92c" providerId="LiveId" clId="{7D57E2DE-B908-4059-B04B-4B378F6BF449}" dt="2024-12-12T20:41:12.323" v="741" actId="1076"/>
+          <ac:spMkLst>
+            <pc:docMk/>
+            <pc:sldMk cId="3774740045" sldId="257"/>
+            <ac:spMk id="7" creationId="{00060DB6-F577-EDFE-62FE-7493BDE0EF6A}"/>
+          </ac:spMkLst>
+        </pc:spChg>
+        <pc:spChg chg="mod">
+          <ac:chgData name="Issac Thomas" userId="52642c48ef0ba92c" providerId="LiveId" clId="{7D57E2DE-B908-4059-B04B-4B378F6BF449}" dt="2024-12-13T00:45:27.043" v="883" actId="20577"/>
+          <ac:spMkLst>
+            <pc:docMk/>
+            <pc:sldMk cId="3774740045" sldId="257"/>
+            <ac:spMk id="8" creationId="{79F65ECD-EBF2-24CC-4B99-8BA4E64CB43E}"/>
+          </ac:spMkLst>
+        </pc:spChg>
+      </pc:sldChg>
+      <pc:sldChg chg="modSp mod">
+        <pc:chgData name="Issac Thomas" userId="52642c48ef0ba92c" providerId="LiveId" clId="{7D57E2DE-B908-4059-B04B-4B378F6BF449}" dt="2024-12-12T23:48:40.824" v="866" actId="20577"/>
+        <pc:sldMkLst>
+          <pc:docMk/>
+          <pc:sldMk cId="1324782705" sldId="258"/>
+        </pc:sldMkLst>
+        <pc:spChg chg="mod">
+          <ac:chgData name="Issac Thomas" userId="52642c48ef0ba92c" providerId="LiveId" clId="{7D57E2DE-B908-4059-B04B-4B378F6BF449}" dt="2024-12-12T23:48:40.824" v="866" actId="20577"/>
+          <ac:spMkLst>
+            <pc:docMk/>
+            <pc:sldMk cId="1324782705" sldId="258"/>
+            <ac:spMk id="11" creationId="{BC256B8E-8716-1BF4-7C5B-9A2C74EFD3D3}"/>
+          </ac:spMkLst>
+        </pc:spChg>
+      </pc:sldChg>
+      <pc:sldChg chg="addSp modSp mod">
+        <pc:chgData name="Issac Thomas" userId="52642c48ef0ba92c" providerId="LiveId" clId="{7D57E2DE-B908-4059-B04B-4B378F6BF449}" dt="2024-12-12T12:23:56.350" v="256" actId="1582"/>
+        <pc:sldMkLst>
+          <pc:docMk/>
+          <pc:sldMk cId="174145109" sldId="262"/>
+        </pc:sldMkLst>
+        <pc:spChg chg="add mod">
+          <ac:chgData name="Issac Thomas" userId="52642c48ef0ba92c" providerId="LiveId" clId="{7D57E2DE-B908-4059-B04B-4B378F6BF449}" dt="2024-12-12T12:23:56.350" v="256" actId="1582"/>
+          <ac:spMkLst>
+            <pc:docMk/>
+            <pc:sldMk cId="174145109" sldId="262"/>
+            <ac:spMk id="2" creationId="{ADCA56AB-3D5C-0906-336B-0FB7FD49B32C}"/>
+          </ac:spMkLst>
+        </pc:spChg>
+      </pc:sldChg>
+      <pc:sldChg chg="addSp delSp modSp mod">
+        <pc:chgData name="Issac Thomas" userId="52642c48ef0ba92c" providerId="LiveId" clId="{7D57E2DE-B908-4059-B04B-4B378F6BF449}" dt="2024-12-12T19:29:51.342" v="512" actId="26606"/>
+        <pc:sldMkLst>
+          <pc:docMk/>
+          <pc:sldMk cId="1048770230" sldId="263"/>
+        </pc:sldMkLst>
+        <pc:spChg chg="mod">
+          <ac:chgData name="Issac Thomas" userId="52642c48ef0ba92c" providerId="LiveId" clId="{7D57E2DE-B908-4059-B04B-4B378F6BF449}" dt="2024-12-12T19:29:51.342" v="512" actId="26606"/>
+          <ac:spMkLst>
+            <pc:docMk/>
+            <pc:sldMk cId="1048770230" sldId="263"/>
+            <ac:spMk id="3" creationId="{01933E43-CEB4-A73A-60B6-563986759C58}"/>
+          </ac:spMkLst>
+        </pc:spChg>
+        <pc:spChg chg="mod">
+          <ac:chgData name="Issac Thomas" userId="52642c48ef0ba92c" providerId="LiveId" clId="{7D57E2DE-B908-4059-B04B-4B378F6BF449}" dt="2024-12-12T19:29:51.342" v="512" actId="26606"/>
+          <ac:spMkLst>
+            <pc:docMk/>
+            <pc:sldMk cId="1048770230" sldId="263"/>
+            <ac:spMk id="4" creationId="{7AB4F5C4-4F97-CF81-A7FD-DB7060FD5D46}"/>
+          </ac:spMkLst>
+        </pc:spChg>
+        <pc:spChg chg="add del">
+          <ac:chgData name="Issac Thomas" userId="52642c48ef0ba92c" providerId="LiveId" clId="{7D57E2DE-B908-4059-B04B-4B378F6BF449}" dt="2024-12-12T19:29:51.342" v="512" actId="26606"/>
+          <ac:spMkLst>
+            <pc:docMk/>
+            <pc:sldMk cId="1048770230" sldId="263"/>
+            <ac:spMk id="10" creationId="{201CC55D-ED54-4C5C-95E6-10947BD1103B}"/>
+          </ac:spMkLst>
+        </pc:spChg>
+        <pc:spChg chg="add del">
+          <ac:chgData name="Issac Thomas" userId="52642c48ef0ba92c" providerId="LiveId" clId="{7D57E2DE-B908-4059-B04B-4B378F6BF449}" dt="2024-12-12T19:29:51.342" v="512" actId="26606"/>
+          <ac:spMkLst>
+            <pc:docMk/>
+            <pc:sldMk cId="1048770230" sldId="263"/>
+            <ac:spMk id="16" creationId="{3873B707-463F-40B0-8227-E8CC6C67EB25}"/>
+          </ac:spMkLst>
+        </pc:spChg>
+        <pc:spChg chg="add del">
+          <ac:chgData name="Issac Thomas" userId="52642c48ef0ba92c" providerId="LiveId" clId="{7D57E2DE-B908-4059-B04B-4B378F6BF449}" dt="2024-12-12T19:29:51.342" v="512" actId="26606"/>
+          <ac:spMkLst>
+            <pc:docMk/>
+            <pc:sldMk cId="1048770230" sldId="263"/>
+            <ac:spMk id="18" creationId="{C13237C8-E62C-4F0D-A318-BD6FB6C2D138}"/>
+          </ac:spMkLst>
+        </pc:spChg>
+        <pc:spChg chg="add del">
+          <ac:chgData name="Issac Thomas" userId="52642c48ef0ba92c" providerId="LiveId" clId="{7D57E2DE-B908-4059-B04B-4B378F6BF449}" dt="2024-12-12T19:29:51.342" v="512" actId="26606"/>
+          <ac:spMkLst>
+            <pc:docMk/>
+            <pc:sldMk cId="1048770230" sldId="263"/>
+            <ac:spMk id="20" creationId="{19C9EAEA-39D0-4B0E-A0EB-51E7B26740B1}"/>
+          </ac:spMkLst>
+        </pc:spChg>
+        <pc:spChg chg="add del">
+          <ac:chgData name="Issac Thomas" userId="52642c48ef0ba92c" providerId="LiveId" clId="{7D57E2DE-B908-4059-B04B-4B378F6BF449}" dt="2024-12-12T19:29:51.338" v="511" actId="26606"/>
+          <ac:spMkLst>
+            <pc:docMk/>
+            <pc:sldMk cId="1048770230" sldId="263"/>
+            <ac:spMk id="25" creationId="{32AEEBC8-9D30-42EF-95F2-386C2653FBF0}"/>
+          </ac:spMkLst>
+        </pc:spChg>
+        <pc:spChg chg="add del">
+          <ac:chgData name="Issac Thomas" userId="52642c48ef0ba92c" providerId="LiveId" clId="{7D57E2DE-B908-4059-B04B-4B378F6BF449}" dt="2024-12-12T19:29:51.338" v="511" actId="26606"/>
+          <ac:spMkLst>
+            <pc:docMk/>
+            <pc:sldMk cId="1048770230" sldId="263"/>
+            <ac:spMk id="27" creationId="{2E92FA66-67D7-4CB4-94D3-E643A9AD4757}"/>
+          </ac:spMkLst>
+        </pc:spChg>
+        <pc:spChg chg="add">
+          <ac:chgData name="Issac Thomas" userId="52642c48ef0ba92c" providerId="LiveId" clId="{7D57E2DE-B908-4059-B04B-4B378F6BF449}" dt="2024-12-12T19:29:51.342" v="512" actId="26606"/>
+          <ac:spMkLst>
+            <pc:docMk/>
+            <pc:sldMk cId="1048770230" sldId="263"/>
+            <ac:spMk id="29" creationId="{1A95671B-3CC6-4792-9114-B74FAEA224E6}"/>
+          </ac:spMkLst>
+        </pc:spChg>
+        <pc:grpChg chg="add del">
+          <ac:chgData name="Issac Thomas" userId="52642c48ef0ba92c" providerId="LiveId" clId="{7D57E2DE-B908-4059-B04B-4B378F6BF449}" dt="2024-12-12T19:29:51.342" v="512" actId="26606"/>
+          <ac:grpSpMkLst>
+            <pc:docMk/>
+            <pc:sldMk cId="1048770230" sldId="263"/>
+            <ac:grpSpMk id="12" creationId="{1DE889C7-FAD6-4397-98E2-05D503484459}"/>
+          </ac:grpSpMkLst>
+        </pc:grpChg>
+        <pc:picChg chg="del">
+          <ac:chgData name="Issac Thomas" userId="52642c48ef0ba92c" providerId="LiveId" clId="{7D57E2DE-B908-4059-B04B-4B378F6BF449}" dt="2024-12-12T19:28:24.973" v="494" actId="478"/>
+          <ac:picMkLst>
+            <pc:docMk/>
+            <pc:sldMk cId="1048770230" sldId="263"/>
+            <ac:picMk id="5" creationId="{61C0B917-D7BE-4CC5-D0DE-AE95C44FDE9B}"/>
+          </ac:picMkLst>
+        </pc:picChg>
+        <pc:picChg chg="add mod">
+          <ac:chgData name="Issac Thomas" userId="52642c48ef0ba92c" providerId="LiveId" clId="{7D57E2DE-B908-4059-B04B-4B378F6BF449}" dt="2024-12-12T19:29:51.342" v="512" actId="26606"/>
+          <ac:picMkLst>
+            <pc:docMk/>
+            <pc:sldMk cId="1048770230" sldId="263"/>
+            <ac:picMk id="6" creationId="{80166FD4-392E-0E1A-FF8F-81A688B2585B}"/>
+          </ac:picMkLst>
+        </pc:picChg>
+      </pc:sldChg>
+      <pc:sldChg chg="ord">
+        <pc:chgData name="Issac Thomas" userId="52642c48ef0ba92c" providerId="LiveId" clId="{7D57E2DE-B908-4059-B04B-4B378F6BF449}" dt="2024-12-13T00:16:36.562" v="881"/>
+        <pc:sldMkLst>
+          <pc:docMk/>
+          <pc:sldMk cId="3093032917" sldId="264"/>
+        </pc:sldMkLst>
+      </pc:sldChg>
+      <pc:sldChg chg="addSp delSp modSp mod">
+        <pc:chgData name="Issac Thomas" userId="52642c48ef0ba92c" providerId="LiveId" clId="{7D57E2DE-B908-4059-B04B-4B378F6BF449}" dt="2024-12-13T00:16:02.678" v="879" actId="1076"/>
+        <pc:sldMkLst>
+          <pc:docMk/>
+          <pc:sldMk cId="4163114057" sldId="265"/>
+        </pc:sldMkLst>
+        <pc:spChg chg="mod">
+          <ac:chgData name="Issac Thomas" userId="52642c48ef0ba92c" providerId="LiveId" clId="{7D57E2DE-B908-4059-B04B-4B378F6BF449}" dt="2024-12-13T00:15:50.164" v="876" actId="26606"/>
+          <ac:spMkLst>
+            <pc:docMk/>
+            <pc:sldMk cId="4163114057" sldId="265"/>
+            <ac:spMk id="3" creationId="{9065E9A4-68EF-ACC0-D79C-632EE80C1E5C}"/>
+          </ac:spMkLst>
+        </pc:spChg>
+        <pc:spChg chg="mod">
+          <ac:chgData name="Issac Thomas" userId="52642c48ef0ba92c" providerId="LiveId" clId="{7D57E2DE-B908-4059-B04B-4B378F6BF449}" dt="2024-12-13T00:15:50.164" v="876" actId="26606"/>
+          <ac:spMkLst>
+            <pc:docMk/>
+            <pc:sldMk cId="4163114057" sldId="265"/>
+            <ac:spMk id="4" creationId="{E2A905C3-854F-B453-F399-5ACCBC9E4591}"/>
+          </ac:spMkLst>
+        </pc:spChg>
+        <pc:spChg chg="add del">
+          <ac:chgData name="Issac Thomas" userId="52642c48ef0ba92c" providerId="LiveId" clId="{7D57E2DE-B908-4059-B04B-4B378F6BF449}" dt="2024-12-13T00:15:50.164" v="876" actId="26606"/>
+          <ac:spMkLst>
+            <pc:docMk/>
+            <pc:sldMk cId="4163114057" sldId="265"/>
+            <ac:spMk id="23" creationId="{19C9EAEA-39D0-4B0E-A0EB-51E7B26740B1}"/>
+          </ac:spMkLst>
+        </pc:spChg>
+        <pc:spChg chg="add del">
+          <ac:chgData name="Issac Thomas" userId="52642c48ef0ba92c" providerId="LiveId" clId="{7D57E2DE-B908-4059-B04B-4B378F6BF449}" dt="2024-12-13T00:15:50.164" v="876" actId="26606"/>
+          <ac:spMkLst>
+            <pc:docMk/>
+            <pc:sldMk cId="4163114057" sldId="265"/>
+            <ac:spMk id="24" creationId="{47942995-B07F-4636-9A06-C6A104B260A8}"/>
+          </ac:spMkLst>
+        </pc:spChg>
+        <pc:spChg chg="add del">
+          <ac:chgData name="Issac Thomas" userId="52642c48ef0ba92c" providerId="LiveId" clId="{7D57E2DE-B908-4059-B04B-4B378F6BF449}" dt="2024-12-13T00:15:50.164" v="876" actId="26606"/>
+          <ac:spMkLst>
+            <pc:docMk/>
+            <pc:sldMk cId="4163114057" sldId="265"/>
+            <ac:spMk id="28" creationId="{B81933D1-5615-42C7-9C0B-4EB7105CCE2D}"/>
+          </ac:spMkLst>
+        </pc:spChg>
+        <pc:spChg chg="add del">
+          <ac:chgData name="Issac Thomas" userId="52642c48ef0ba92c" providerId="LiveId" clId="{7D57E2DE-B908-4059-B04B-4B378F6BF449}" dt="2024-12-13T00:15:50.164" v="876" actId="26606"/>
+          <ac:spMkLst>
+            <pc:docMk/>
+            <pc:sldMk cId="4163114057" sldId="265"/>
+            <ac:spMk id="33" creationId="{C4879EFC-8E62-4E00-973C-C45EE9EC676D}"/>
+          </ac:spMkLst>
+        </pc:spChg>
+        <pc:spChg chg="add del">
+          <ac:chgData name="Issac Thomas" userId="52642c48ef0ba92c" providerId="LiveId" clId="{7D57E2DE-B908-4059-B04B-4B378F6BF449}" dt="2024-12-13T00:15:50.164" v="876" actId="26606"/>
+          <ac:spMkLst>
+            <pc:docMk/>
+            <pc:sldMk cId="4163114057" sldId="265"/>
+            <ac:spMk id="35" creationId="{D6A9C53F-5F90-40A5-8C85-5412D39C8C68}"/>
+          </ac:spMkLst>
+        </pc:spChg>
+        <pc:grpChg chg="add del">
+          <ac:chgData name="Issac Thomas" userId="52642c48ef0ba92c" providerId="LiveId" clId="{7D57E2DE-B908-4059-B04B-4B378F6BF449}" dt="2024-12-13T00:15:50.164" v="876" actId="26606"/>
+          <ac:grpSpMkLst>
+            <pc:docMk/>
+            <pc:sldMk cId="4163114057" sldId="265"/>
+            <ac:grpSpMk id="25" creationId="{032D8612-31EB-44CF-A1D0-14FD4C705424}"/>
+          </ac:grpSpMkLst>
+        </pc:grpChg>
+        <pc:picChg chg="add mod">
+          <ac:chgData name="Issac Thomas" userId="52642c48ef0ba92c" providerId="LiveId" clId="{7D57E2DE-B908-4059-B04B-4B378F6BF449}" dt="2024-12-13T00:16:02.678" v="879" actId="1076"/>
+          <ac:picMkLst>
+            <pc:docMk/>
+            <pc:sldMk cId="4163114057" sldId="265"/>
+            <ac:picMk id="5" creationId="{E14AA1AA-8A23-19C4-C9E2-E7D9F4B62A47}"/>
+          </ac:picMkLst>
+        </pc:picChg>
+        <pc:picChg chg="del mod ord">
+          <ac:chgData name="Issac Thomas" userId="52642c48ef0ba92c" providerId="LiveId" clId="{7D57E2DE-B908-4059-B04B-4B378F6BF449}" dt="2024-12-13T00:15:55.941" v="878" actId="478"/>
+          <ac:picMkLst>
+            <pc:docMk/>
+            <pc:sldMk cId="4163114057" sldId="265"/>
+            <ac:picMk id="9" creationId="{E6746FA5-3B54-5292-F656-FC1F04FF6697}"/>
+          </ac:picMkLst>
+        </pc:picChg>
+      </pc:sldChg>
+      <pc:sldChg chg="ord">
+        <pc:chgData name="Issac Thomas" userId="52642c48ef0ba92c" providerId="LiveId" clId="{7D57E2DE-B908-4059-B04B-4B378F6BF449}" dt="2024-12-12T13:25:29.426" v="477"/>
+        <pc:sldMkLst>
+          <pc:docMk/>
+          <pc:sldMk cId="290897500" sldId="266"/>
+        </pc:sldMkLst>
+      </pc:sldChg>
+      <pc:sldChg chg="modSp mod">
+        <pc:chgData name="Issac Thomas" userId="52642c48ef0ba92c" providerId="LiveId" clId="{7D57E2DE-B908-4059-B04B-4B378F6BF449}" dt="2024-12-13T00:53:37.558" v="887" actId="20577"/>
+        <pc:sldMkLst>
+          <pc:docMk/>
+          <pc:sldMk cId="2979877354" sldId="270"/>
+        </pc:sldMkLst>
+        <pc:spChg chg="mod">
+          <ac:chgData name="Issac Thomas" userId="52642c48ef0ba92c" providerId="LiveId" clId="{7D57E2DE-B908-4059-B04B-4B378F6BF449}" dt="2024-12-13T00:53:37.558" v="887" actId="20577"/>
+          <ac:spMkLst>
+            <pc:docMk/>
+            <pc:sldMk cId="2979877354" sldId="270"/>
+            <ac:spMk id="2" creationId="{3C23FAE8-9055-CA65-2827-F551838408EA}"/>
+          </ac:spMkLst>
+        </pc:spChg>
+      </pc:sldChg>
+      <pc:sldChg chg="modSp new mod">
+        <pc:chgData name="Issac Thomas" userId="52642c48ef0ba92c" providerId="LiveId" clId="{7D57E2DE-B908-4059-B04B-4B378F6BF449}" dt="2024-12-12T20:44:26.465" v="860" actId="20577"/>
+        <pc:sldMkLst>
+          <pc:docMk/>
+          <pc:sldMk cId="383370438" sldId="272"/>
+        </pc:sldMkLst>
+        <pc:spChg chg="mod">
+          <ac:chgData name="Issac Thomas" userId="52642c48ef0ba92c" providerId="LiveId" clId="{7D57E2DE-B908-4059-B04B-4B378F6BF449}" dt="2024-12-12T12:25:59.711" v="268" actId="14100"/>
+          <ac:spMkLst>
+            <pc:docMk/>
+            <pc:sldMk cId="383370438" sldId="272"/>
+            <ac:spMk id="2" creationId="{8F4D7CFB-C7D2-0461-3D6A-1DB63B79C841}"/>
+          </ac:spMkLst>
+        </pc:spChg>
+        <pc:spChg chg="mod">
+          <ac:chgData name="Issac Thomas" userId="52642c48ef0ba92c" providerId="LiveId" clId="{7D57E2DE-B908-4059-B04B-4B378F6BF449}" dt="2024-12-12T20:44:26.465" v="860" actId="20577"/>
+          <ac:spMkLst>
+            <pc:docMk/>
+            <pc:sldMk cId="383370438" sldId="272"/>
+            <ac:spMk id="3" creationId="{D1B1ED35-51A2-0702-6794-9C7ECFC5AC93}"/>
+          </ac:spMkLst>
+        </pc:spChg>
+      </pc:sldChg>
+      <pc:sldChg chg="addSp delSp modSp new mod ord setBg">
+        <pc:chgData name="Issac Thomas" userId="52642c48ef0ba92c" providerId="LiveId" clId="{7D57E2DE-B908-4059-B04B-4B378F6BF449}" dt="2024-12-12T19:09:17.531" v="479"/>
+        <pc:sldMkLst>
+          <pc:docMk/>
+          <pc:sldMk cId="2959974914" sldId="273"/>
+        </pc:sldMkLst>
+        <pc:spChg chg="add del">
+          <ac:chgData name="Issac Thomas" userId="52642c48ef0ba92c" providerId="LiveId" clId="{7D57E2DE-B908-4059-B04B-4B378F6BF449}" dt="2024-12-12T13:12:45.893" v="473" actId="26606"/>
+          <ac:spMkLst>
+            <pc:docMk/>
+            <pc:sldMk cId="2959974914" sldId="273"/>
+            <ac:spMk id="8" creationId="{F3060C83-F051-4F0E-ABAD-AA0DFC48B218}"/>
+          </ac:spMkLst>
+        </pc:spChg>
+        <pc:spChg chg="add del">
+          <ac:chgData name="Issac Thomas" userId="52642c48ef0ba92c" providerId="LiveId" clId="{7D57E2DE-B908-4059-B04B-4B378F6BF449}" dt="2024-12-12T13:12:45.893" v="473" actId="26606"/>
+          <ac:spMkLst>
+            <pc:docMk/>
+            <pc:sldMk cId="2959974914" sldId="273"/>
+            <ac:spMk id="10" creationId="{83C98ABE-055B-441F-B07E-44F97F083C39}"/>
+          </ac:spMkLst>
+        </pc:spChg>
+        <pc:spChg chg="add del">
+          <ac:chgData name="Issac Thomas" userId="52642c48ef0ba92c" providerId="LiveId" clId="{7D57E2DE-B908-4059-B04B-4B378F6BF449}" dt="2024-12-12T13:12:45.893" v="473" actId="26606"/>
+          <ac:spMkLst>
+            <pc:docMk/>
+            <pc:sldMk cId="2959974914" sldId="273"/>
+            <ac:spMk id="12" creationId="{29FDB030-9B49-4CED-8CCD-4D99382388AC}"/>
+          </ac:spMkLst>
+        </pc:spChg>
+        <pc:spChg chg="add del">
+          <ac:chgData name="Issac Thomas" userId="52642c48ef0ba92c" providerId="LiveId" clId="{7D57E2DE-B908-4059-B04B-4B378F6BF449}" dt="2024-12-12T13:12:45.893" v="473" actId="26606"/>
+          <ac:spMkLst>
+            <pc:docMk/>
+            <pc:sldMk cId="2959974914" sldId="273"/>
+            <ac:spMk id="14" creationId="{3783CA14-24A1-485C-8B30-D6A5D87987AD}"/>
+          </ac:spMkLst>
+        </pc:spChg>
+        <pc:spChg chg="add del">
+          <ac:chgData name="Issac Thomas" userId="52642c48ef0ba92c" providerId="LiveId" clId="{7D57E2DE-B908-4059-B04B-4B378F6BF449}" dt="2024-12-12T13:12:45.893" v="473" actId="26606"/>
+          <ac:spMkLst>
+            <pc:docMk/>
+            <pc:sldMk cId="2959974914" sldId="273"/>
+            <ac:spMk id="16" creationId="{9A97C86A-04D6-40F7-AE84-31AB43E6A846}"/>
+          </ac:spMkLst>
+        </pc:spChg>
+        <pc:spChg chg="add del">
+          <ac:chgData name="Issac Thomas" userId="52642c48ef0ba92c" providerId="LiveId" clId="{7D57E2DE-B908-4059-B04B-4B378F6BF449}" dt="2024-12-12T13:12:45.893" v="473" actId="26606"/>
+          <ac:spMkLst>
+            <pc:docMk/>
+            <pc:sldMk cId="2959974914" sldId="273"/>
+            <ac:spMk id="18" creationId="{FF9F2414-84E8-453E-B1F3-389FDE8192D9}"/>
+          </ac:spMkLst>
+        </pc:spChg>
+        <pc:spChg chg="add del">
+          <ac:chgData name="Issac Thomas" userId="52642c48ef0ba92c" providerId="LiveId" clId="{7D57E2DE-B908-4059-B04B-4B378F6BF449}" dt="2024-12-12T13:12:45.893" v="473" actId="26606"/>
+          <ac:spMkLst>
+            <pc:docMk/>
+            <pc:sldMk cId="2959974914" sldId="273"/>
+            <ac:spMk id="20" creationId="{3ECA69A1-7536-43AC-85EF-C7106179F5ED}"/>
+          </ac:spMkLst>
+        </pc:spChg>
+        <pc:spChg chg="add">
+          <ac:chgData name="Issac Thomas" userId="52642c48ef0ba92c" providerId="LiveId" clId="{7D57E2DE-B908-4059-B04B-4B378F6BF449}" dt="2024-12-12T13:12:45.893" v="473" actId="26606"/>
+          <ac:spMkLst>
+            <pc:docMk/>
+            <pc:sldMk cId="2959974914" sldId="273"/>
+            <ac:spMk id="25" creationId="{F3060C83-F051-4F0E-ABAD-AA0DFC48B218}"/>
+          </ac:spMkLst>
+        </pc:spChg>
+        <pc:spChg chg="add">
+          <ac:chgData name="Issac Thomas" userId="52642c48ef0ba92c" providerId="LiveId" clId="{7D57E2DE-B908-4059-B04B-4B378F6BF449}" dt="2024-12-12T13:12:45.893" v="473" actId="26606"/>
+          <ac:spMkLst>
+            <pc:docMk/>
+            <pc:sldMk cId="2959974914" sldId="273"/>
+            <ac:spMk id="27" creationId="{83C98ABE-055B-441F-B07E-44F97F083C39}"/>
+          </ac:spMkLst>
+        </pc:spChg>
+        <pc:spChg chg="add">
+          <ac:chgData name="Issac Thomas" userId="52642c48ef0ba92c" providerId="LiveId" clId="{7D57E2DE-B908-4059-B04B-4B378F6BF449}" dt="2024-12-12T13:12:45.893" v="473" actId="26606"/>
+          <ac:spMkLst>
+            <pc:docMk/>
+            <pc:sldMk cId="2959974914" sldId="273"/>
+            <ac:spMk id="29" creationId="{29FDB030-9B49-4CED-8CCD-4D99382388AC}"/>
+          </ac:spMkLst>
+        </pc:spChg>
+        <pc:spChg chg="add">
+          <ac:chgData name="Issac Thomas" userId="52642c48ef0ba92c" providerId="LiveId" clId="{7D57E2DE-B908-4059-B04B-4B378F6BF449}" dt="2024-12-12T13:12:45.893" v="473" actId="26606"/>
+          <ac:spMkLst>
+            <pc:docMk/>
+            <pc:sldMk cId="2959974914" sldId="273"/>
+            <ac:spMk id="31" creationId="{3783CA14-24A1-485C-8B30-D6A5D87987AD}"/>
+          </ac:spMkLst>
+        </pc:spChg>
+        <pc:spChg chg="add">
+          <ac:chgData name="Issac Thomas" userId="52642c48ef0ba92c" providerId="LiveId" clId="{7D57E2DE-B908-4059-B04B-4B378F6BF449}" dt="2024-12-12T13:12:45.893" v="473" actId="26606"/>
+          <ac:spMkLst>
+            <pc:docMk/>
+            <pc:sldMk cId="2959974914" sldId="273"/>
+            <ac:spMk id="33" creationId="{9A97C86A-04D6-40F7-AE84-31AB43E6A846}"/>
+          </ac:spMkLst>
+        </pc:spChg>
+        <pc:spChg chg="add">
+          <ac:chgData name="Issac Thomas" userId="52642c48ef0ba92c" providerId="LiveId" clId="{7D57E2DE-B908-4059-B04B-4B378F6BF449}" dt="2024-12-12T13:12:45.893" v="473" actId="26606"/>
+          <ac:spMkLst>
+            <pc:docMk/>
+            <pc:sldMk cId="2959974914" sldId="273"/>
+            <ac:spMk id="35" creationId="{FF9F2414-84E8-453E-B1F3-389FDE8192D9}"/>
+          </ac:spMkLst>
+        </pc:spChg>
+        <pc:spChg chg="add">
+          <ac:chgData name="Issac Thomas" userId="52642c48ef0ba92c" providerId="LiveId" clId="{7D57E2DE-B908-4059-B04B-4B378F6BF449}" dt="2024-12-12T13:12:45.893" v="473" actId="26606"/>
+          <ac:spMkLst>
+            <pc:docMk/>
+            <pc:sldMk cId="2959974914" sldId="273"/>
+            <ac:spMk id="37" creationId="{3ECA69A1-7536-43AC-85EF-C7106179F5ED}"/>
+          </ac:spMkLst>
+        </pc:spChg>
+        <pc:picChg chg="add del mod">
+          <ac:chgData name="Issac Thomas" userId="52642c48ef0ba92c" providerId="LiveId" clId="{7D57E2DE-B908-4059-B04B-4B378F6BF449}" dt="2024-12-12T13:12:38.309" v="471" actId="478"/>
+          <ac:picMkLst>
+            <pc:docMk/>
+            <pc:sldMk cId="2959974914" sldId="273"/>
+            <ac:picMk id="3" creationId="{62B26DD8-AE10-86BF-2C7B-FDC1A3A513FF}"/>
+          </ac:picMkLst>
+        </pc:picChg>
+        <pc:picChg chg="add mod">
+          <ac:chgData name="Issac Thomas" userId="52642c48ef0ba92c" providerId="LiveId" clId="{7D57E2DE-B908-4059-B04B-4B378F6BF449}" dt="2024-12-12T13:12:45.893" v="473" actId="26606"/>
+          <ac:picMkLst>
+            <pc:docMk/>
+            <pc:sldMk cId="2959974914" sldId="273"/>
+            <ac:picMk id="5" creationId="{95C7F601-0EE5-5848-C0D7-7BF013C25FBA}"/>
+          </ac:picMkLst>
+        </pc:picChg>
+      </pc:sldChg>
+      <pc:sldChg chg="addSp modSp new mod ord setBg">
+        <pc:chgData name="Issac Thomas" userId="52642c48ef0ba92c" providerId="LiveId" clId="{7D57E2DE-B908-4059-B04B-4B378F6BF449}" dt="2024-12-12T19:09:22.358" v="481"/>
+        <pc:sldMkLst>
+          <pc:docMk/>
+          <pc:sldMk cId="902662205" sldId="274"/>
+        </pc:sldMkLst>
+        <pc:spChg chg="add">
+          <ac:chgData name="Issac Thomas" userId="52642c48ef0ba92c" providerId="LiveId" clId="{7D57E2DE-B908-4059-B04B-4B378F6BF449}" dt="2024-12-12T13:24:52.317" v="475" actId="26606"/>
+          <ac:spMkLst>
+            <pc:docMk/>
+            <pc:sldMk cId="902662205" sldId="274"/>
+            <ac:spMk id="8" creationId="{F3060C83-F051-4F0E-ABAD-AA0DFC48B218}"/>
+          </ac:spMkLst>
+        </pc:spChg>
+        <pc:spChg chg="add">
+          <ac:chgData name="Issac Thomas" userId="52642c48ef0ba92c" providerId="LiveId" clId="{7D57E2DE-B908-4059-B04B-4B378F6BF449}" dt="2024-12-12T13:24:52.317" v="475" actId="26606"/>
+          <ac:spMkLst>
+            <pc:docMk/>
+            <pc:sldMk cId="902662205" sldId="274"/>
+            <ac:spMk id="10" creationId="{83C98ABE-055B-441F-B07E-44F97F083C39}"/>
+          </ac:spMkLst>
+        </pc:spChg>
+        <pc:spChg chg="add">
+          <ac:chgData name="Issac Thomas" userId="52642c48ef0ba92c" providerId="LiveId" clId="{7D57E2DE-B908-4059-B04B-4B378F6BF449}" dt="2024-12-12T13:24:52.317" v="475" actId="26606"/>
+          <ac:spMkLst>
+            <pc:docMk/>
+            <pc:sldMk cId="902662205" sldId="274"/>
+            <ac:spMk id="12" creationId="{29FDB030-9B49-4CED-8CCD-4D99382388AC}"/>
+          </ac:spMkLst>
+        </pc:spChg>
+        <pc:spChg chg="add">
+          <ac:chgData name="Issac Thomas" userId="52642c48ef0ba92c" providerId="LiveId" clId="{7D57E2DE-B908-4059-B04B-4B378F6BF449}" dt="2024-12-12T13:24:52.317" v="475" actId="26606"/>
+          <ac:spMkLst>
+            <pc:docMk/>
+            <pc:sldMk cId="902662205" sldId="274"/>
+            <ac:spMk id="14" creationId="{3783CA14-24A1-485C-8B30-D6A5D87987AD}"/>
+          </ac:spMkLst>
+        </pc:spChg>
+        <pc:spChg chg="add">
+          <ac:chgData name="Issac Thomas" userId="52642c48ef0ba92c" providerId="LiveId" clId="{7D57E2DE-B908-4059-B04B-4B378F6BF449}" dt="2024-12-12T13:24:52.317" v="475" actId="26606"/>
+          <ac:spMkLst>
+            <pc:docMk/>
+            <pc:sldMk cId="902662205" sldId="274"/>
+            <ac:spMk id="16" creationId="{9A97C86A-04D6-40F7-AE84-31AB43E6A846}"/>
+          </ac:spMkLst>
+        </pc:spChg>
+        <pc:spChg chg="add">
+          <ac:chgData name="Issac Thomas" userId="52642c48ef0ba92c" providerId="LiveId" clId="{7D57E2DE-B908-4059-B04B-4B378F6BF449}" dt="2024-12-12T13:24:52.317" v="475" actId="26606"/>
+          <ac:spMkLst>
+            <pc:docMk/>
+            <pc:sldMk cId="902662205" sldId="274"/>
+            <ac:spMk id="18" creationId="{FF9F2414-84E8-453E-B1F3-389FDE8192D9}"/>
+          </ac:spMkLst>
+        </pc:spChg>
+        <pc:spChg chg="add">
+          <ac:chgData name="Issac Thomas" userId="52642c48ef0ba92c" providerId="LiveId" clId="{7D57E2DE-B908-4059-B04B-4B378F6BF449}" dt="2024-12-12T13:24:52.317" v="475" actId="26606"/>
+          <ac:spMkLst>
+            <pc:docMk/>
+            <pc:sldMk cId="902662205" sldId="274"/>
+            <ac:spMk id="20" creationId="{3ECA69A1-7536-43AC-85EF-C7106179F5ED}"/>
+          </ac:spMkLst>
+        </pc:spChg>
+        <pc:picChg chg="add mod">
+          <ac:chgData name="Issac Thomas" userId="52642c48ef0ba92c" providerId="LiveId" clId="{7D57E2DE-B908-4059-B04B-4B378F6BF449}" dt="2024-12-12T13:24:52.317" v="475" actId="26606"/>
+          <ac:picMkLst>
+            <pc:docMk/>
+            <pc:sldMk cId="902662205" sldId="274"/>
+            <ac:picMk id="3" creationId="{BFFB0FED-E486-F020-54FC-D2E486FFB833}"/>
+          </ac:picMkLst>
+        </pc:picChg>
+      </pc:sldChg>
+    </pc:docChg>
+  </pc:docChgLst>
+</pc:chgInfo>
 </file>
 
 <file path=ppt/diagrams/colors1.xml><?xml version="1.0" encoding="utf-8"?>
@@ -3341,7 +3911,7 @@
           <a:p>
             <a:fld id="{53C835DA-3F03-4E14-9C74-C03282E5A786}" type="datetimeFigureOut">
               <a:rPr lang="en-US" smtClean="0"/>
-              <a:t>12/10/2024</a:t>
+              <a:t>12/12/2024</a:t>
             </a:fld>
             <a:endParaRPr lang="en-US"/>
           </a:p>
@@ -3539,7 +4109,7 @@
           <a:p>
             <a:fld id="{53C835DA-3F03-4E14-9C74-C03282E5A786}" type="datetimeFigureOut">
               <a:rPr lang="en-US" smtClean="0"/>
-              <a:t>12/10/2024</a:t>
+              <a:t>12/12/2024</a:t>
             </a:fld>
             <a:endParaRPr lang="en-US"/>
           </a:p>
@@ -3747,7 +4317,7 @@
           <a:p>
             <a:fld id="{53C835DA-3F03-4E14-9C74-C03282E5A786}" type="datetimeFigureOut">
               <a:rPr lang="en-US" smtClean="0"/>
-              <a:t>12/10/2024</a:t>
+              <a:t>12/12/2024</a:t>
             </a:fld>
             <a:endParaRPr lang="en-US"/>
           </a:p>
@@ -3945,7 +4515,7 @@
           <a:p>
             <a:fld id="{53C835DA-3F03-4E14-9C74-C03282E5A786}" type="datetimeFigureOut">
               <a:rPr lang="en-US" smtClean="0"/>
-              <a:t>12/10/2024</a:t>
+              <a:t>12/12/2024</a:t>
             </a:fld>
             <a:endParaRPr lang="en-US"/>
           </a:p>
@@ -4220,7 +4790,7 @@
           <a:p>
             <a:fld id="{53C835DA-3F03-4E14-9C74-C03282E5A786}" type="datetimeFigureOut">
               <a:rPr lang="en-US" smtClean="0"/>
-              <a:t>12/10/2024</a:t>
+              <a:t>12/12/2024</a:t>
             </a:fld>
             <a:endParaRPr lang="en-US"/>
           </a:p>
@@ -4485,7 +5055,7 @@
           <a:p>
             <a:fld id="{53C835DA-3F03-4E14-9C74-C03282E5A786}" type="datetimeFigureOut">
               <a:rPr lang="en-US" smtClean="0"/>
-              <a:t>12/10/2024</a:t>
+              <a:t>12/12/2024</a:t>
             </a:fld>
             <a:endParaRPr lang="en-US"/>
           </a:p>
@@ -4897,7 +5467,7 @@
           <a:p>
             <a:fld id="{53C835DA-3F03-4E14-9C74-C03282E5A786}" type="datetimeFigureOut">
               <a:rPr lang="en-US" smtClean="0"/>
-              <a:t>12/10/2024</a:t>
+              <a:t>12/12/2024</a:t>
             </a:fld>
             <a:endParaRPr lang="en-US"/>
           </a:p>
@@ -5038,7 +5608,7 @@
           <a:p>
             <a:fld id="{53C835DA-3F03-4E14-9C74-C03282E5A786}" type="datetimeFigureOut">
               <a:rPr lang="en-US" smtClean="0"/>
-              <a:t>12/10/2024</a:t>
+              <a:t>12/12/2024</a:t>
             </a:fld>
             <a:endParaRPr lang="en-US"/>
           </a:p>
@@ -5151,7 +5721,7 @@
           <a:p>
             <a:fld id="{53C835DA-3F03-4E14-9C74-C03282E5A786}" type="datetimeFigureOut">
               <a:rPr lang="en-US" smtClean="0"/>
-              <a:t>12/10/2024</a:t>
+              <a:t>12/12/2024</a:t>
             </a:fld>
             <a:endParaRPr lang="en-US"/>
           </a:p>
@@ -5462,7 +6032,7 @@
           <a:p>
             <a:fld id="{53C835DA-3F03-4E14-9C74-C03282E5A786}" type="datetimeFigureOut">
               <a:rPr lang="en-US" smtClean="0"/>
-              <a:t>12/10/2024</a:t>
+              <a:t>12/12/2024</a:t>
             </a:fld>
             <a:endParaRPr lang="en-US"/>
           </a:p>
@@ -5750,7 +6320,7 @@
           <a:p>
             <a:fld id="{53C835DA-3F03-4E14-9C74-C03282E5A786}" type="datetimeFigureOut">
               <a:rPr lang="en-US" smtClean="0"/>
-              <a:t>12/10/2024</a:t>
+              <a:t>12/12/2024</a:t>
             </a:fld>
             <a:endParaRPr lang="en-US"/>
           </a:p>
@@ -5991,7 +6561,7 @@
           <a:p>
             <a:fld id="{53C835DA-3F03-4E14-9C74-C03282E5A786}" type="datetimeFigureOut">
               <a:rPr lang="en-US" smtClean="0"/>
-              <a:t>12/10/2024</a:t>
+              <a:t>12/12/2024</a:t>
             </a:fld>
             <a:endParaRPr lang="en-US"/>
           </a:p>
@@ -6799,6 +7369,14 @@
               </a:rPr>
               <a:t>Insights</a:t>
             </a:r>
+            <a:endParaRPr lang="en-US" sz="5400" kern="1200" dirty="0">
+              <a:solidFill>
+                <a:schemeClr val="tx1"/>
+              </a:solidFill>
+              <a:latin typeface="+mj-lt"/>
+              <a:ea typeface="+mj-ea"/>
+              <a:cs typeface="+mj-cs"/>
+            </a:endParaRPr>
           </a:p>
         </p:txBody>
       </p:sp>
@@ -6831,7 +7409,7 @@
           <a:lstStyle/>
           <a:p>
             <a:r>
-              <a:rPr lang="en-US" sz="1700" kern="1200" dirty="0">
+              <a:rPr lang="en-US" sz="1700" kern="1200">
                 <a:solidFill>
                   <a:schemeClr val="tx1"/>
                 </a:solidFill>
@@ -6849,7 +7427,7 @@
               </a:spcBef>
             </a:pPr>
             <a:r>
-              <a:rPr lang="en-US" sz="1700" kern="1200" dirty="0">
+              <a:rPr lang="en-US" sz="1700" kern="1200">
                 <a:solidFill>
                   <a:schemeClr val="tx1"/>
                 </a:solidFill>
@@ -6863,7 +7441,7 @@
           <a:p>
             <a:pPr lvl="0"/>
             <a:r>
-              <a:rPr lang="en-US" sz="1700" kern="1200" dirty="0">
+              <a:rPr lang="en-US" sz="1700" kern="1200">
                 <a:solidFill>
                   <a:schemeClr val="tx1"/>
                 </a:solidFill>
@@ -7234,10 +7812,10 @@
       </p:sp>
       <p:pic>
         <p:nvPicPr>
-          <p:cNvPr id="9" name="Picture 8">
+          <p:cNvPr id="5" name="Picture 4">
             <a:extLst>
               <a:ext uri="{FF2B5EF4-FFF2-40B4-BE49-F238E27FC236}">
-                <a16:creationId xmlns:a16="http://schemas.microsoft.com/office/drawing/2014/main" id="{E6746FA5-3B54-5292-F656-FC1F04FF6697}"/>
+                <a16:creationId xmlns:a16="http://schemas.microsoft.com/office/drawing/2014/main" id="{E14AA1AA-8A23-19C4-C9E2-E7D9F4B62A47}"/>
               </a:ext>
             </a:extLst>
           </p:cNvPr>
@@ -7254,8 +7832,8 @@
         </p:blipFill>
         <p:spPr>
           <a:xfrm>
-            <a:off x="6142068" y="666728"/>
-            <a:ext cx="5096849" cy="5465791"/>
+            <a:off x="5420819" y="589189"/>
+            <a:ext cx="5276850" cy="5876925"/>
           </a:xfrm>
           <a:prstGeom prst="rect">
             <a:avLst/>
@@ -7302,10 +7880,10 @@
       </p:grpSpPr>
       <p:sp useBgFill="1">
         <p:nvSpPr>
-          <p:cNvPr id="10" name="Rectangle 9">
+          <p:cNvPr id="29" name="Rectangle 28">
             <a:extLst>
               <a:ext uri="{FF2B5EF4-FFF2-40B4-BE49-F238E27FC236}">
-                <a16:creationId xmlns:a16="http://schemas.microsoft.com/office/drawing/2014/main" id="{201CC55D-ED54-4C5C-95E6-10947BD1103B}"/>
+                <a16:creationId xmlns:a16="http://schemas.microsoft.com/office/drawing/2014/main" id="{1A95671B-3CC6-4792-9114-B74FAEA224E6}"/>
               </a:ext>
               <a:ext uri="{C183D7F6-B498-43B3-948B-1728B52AA6E4}">
                 <adec:decorative xmlns:adec="http://schemas.microsoft.com/office/drawing/2017/decorative" val="1"/>
@@ -7326,7 +7904,7 @@
         <p:spPr>
           <a:xfrm>
             <a:off x="0" y="0"/>
-            <a:ext cx="12191999" cy="6857365"/>
+            <a:ext cx="12188952" cy="6858000"/>
           </a:xfrm>
           <a:prstGeom prst="rect">
             <a:avLst/>
@@ -7378,8 +7956,8 @@
         </p:nvSpPr>
         <p:spPr>
           <a:xfrm>
-            <a:off x="589560" y="856180"/>
-            <a:ext cx="4560584" cy="1128068"/>
+            <a:off x="1008184" y="174032"/>
+            <a:ext cx="10175631" cy="1111843"/>
           </a:xfrm>
         </p:spPr>
         <p:txBody>
@@ -7392,173 +7970,186 @@
             </a:lvl1pPr>
           </a:lstStyle>
           <a:p>
+            <a:pPr algn="ctr"/>
             <a:r>
-              <a:rPr lang="en-US" sz="3700" dirty="0"/>
-              <a:t>Top Exporters  2023-2024</a:t>
+              <a:rPr lang="en-US" sz="4000"/>
+              <a:t>Top Exporters 2024</a:t>
             </a:r>
           </a:p>
         </p:txBody>
       </p:sp>
-      <p:grpSp>
-        <p:nvGrpSpPr>
-          <p:cNvPr id="12" name="Group 11">
-            <a:extLst>
-              <a:ext uri="{FF2B5EF4-FFF2-40B4-BE49-F238E27FC236}">
-                <a16:creationId xmlns:a16="http://schemas.microsoft.com/office/drawing/2014/main" id="{1DE889C7-FAD6-4397-98E2-05D503484459}"/>
-              </a:ext>
-              <a:ext uri="{C183D7F6-B498-43B3-948B-1728B52AA6E4}">
-                <adec:decorative xmlns:adec="http://schemas.microsoft.com/office/drawing/2017/decorative" val="1"/>
-              </a:ext>
-            </a:extLst>
-          </p:cNvPr>
-          <p:cNvGrpSpPr>
-            <a:grpSpLocks noGrp="1" noUngrp="1" noRot="1" noChangeAspect="1" noMove="1" noResize="1"/>
-          </p:cNvGrpSpPr>
-          <p:nvPr>
-            <p:extLst>
-              <p:ext uri="{386F3935-93C4-4BCD-93E2-E3B085C9AB24}">
-                <p16:designElem xmlns:p16="http://schemas.microsoft.com/office/powerpoint/2015/main" val="1"/>
-              </p:ext>
-            </p:extLst>
-          </p:nvPr>
-        </p:nvGrpSpPr>
-        <p:grpSpPr>
-          <a:xfrm>
-            <a:off x="0" y="1083484"/>
-            <a:ext cx="355196" cy="673460"/>
-            <a:chOff x="0" y="823811"/>
-            <a:chExt cx="355196" cy="673460"/>
-          </a:xfrm>
-        </p:grpSpPr>
-        <p:sp>
-          <p:nvSpPr>
-            <p:cNvPr id="13" name="Rectangle 12">
-              <a:extLst>
-                <a:ext uri="{FF2B5EF4-FFF2-40B4-BE49-F238E27FC236}">
-                  <a16:creationId xmlns:a16="http://schemas.microsoft.com/office/drawing/2014/main" id="{F399A70F-F8CD-4992-9EF5-6CF15472E73F}"/>
-                </a:ext>
-                <a:ext uri="{C183D7F6-B498-43B3-948B-1728B52AA6E4}">
-                  <adec:decorative xmlns:adec="http://schemas.microsoft.com/office/drawing/2017/decorative" val="1"/>
-                </a:ext>
-              </a:extLst>
-            </p:cNvPr>
-            <p:cNvSpPr/>
-            <p:nvPr>
-              <p:extLst>
-                <p:ext uri="{386F3935-93C4-4BCD-93E2-E3B085C9AB24}">
-                  <p16:designElem xmlns:p16="http://schemas.microsoft.com/office/powerpoint/2015/main" val="1"/>
-                </p:ext>
-              </p:extLst>
-            </p:nvPr>
-          </p:nvSpPr>
-          <p:spPr>
-            <a:xfrm>
-              <a:off x="0" y="823811"/>
-              <a:ext cx="87363" cy="673460"/>
-            </a:xfrm>
-            <a:prstGeom prst="rect">
-              <a:avLst/>
-            </a:prstGeom>
-            <a:solidFill>
-              <a:schemeClr val="accent4"/>
-            </a:solidFill>
-            <a:ln>
-              <a:noFill/>
-            </a:ln>
-          </p:spPr>
-          <p:style>
-            <a:lnRef idx="2">
-              <a:schemeClr val="accent1">
-                <a:shade val="50000"/>
-              </a:schemeClr>
-            </a:lnRef>
-            <a:fillRef idx="1">
-              <a:schemeClr val="accent1"/>
-            </a:fillRef>
-            <a:effectRef idx="0">
-              <a:schemeClr val="accent1"/>
-            </a:effectRef>
-            <a:fontRef idx="minor">
-              <a:schemeClr val="lt1"/>
-            </a:fontRef>
-          </p:style>
-          <p:txBody>
-            <a:bodyPr rtlCol="0" anchor="ctr"/>
-            <a:lstStyle/>
-            <a:p>
-              <a:pPr algn="ctr"/>
-              <a:endParaRPr lang="en-US"/>
-            </a:p>
-          </p:txBody>
-        </p:sp>
-        <p:sp>
-          <p:nvSpPr>
-            <p:cNvPr id="14" name="Rectangle 13">
-              <a:extLst>
-                <a:ext uri="{FF2B5EF4-FFF2-40B4-BE49-F238E27FC236}">
-                  <a16:creationId xmlns:a16="http://schemas.microsoft.com/office/drawing/2014/main" id="{48F4FEDC-6D80-458C-A665-075D9B9500FD}"/>
-                </a:ext>
-                <a:ext uri="{C183D7F6-B498-43B3-948B-1728B52AA6E4}">
-                  <adec:decorative xmlns:adec="http://schemas.microsoft.com/office/drawing/2017/decorative" val="1"/>
-                </a:ext>
-              </a:extLst>
-            </p:cNvPr>
-            <p:cNvSpPr/>
-            <p:nvPr>
-              <p:extLst>
-                <p:ext uri="{386F3935-93C4-4BCD-93E2-E3B085C9AB24}">
-                  <p16:designElem xmlns:p16="http://schemas.microsoft.com/office/powerpoint/2015/main" val="1"/>
-                </p:ext>
-              </p:extLst>
-            </p:nvPr>
-          </p:nvSpPr>
-          <p:spPr>
-            <a:xfrm>
-              <a:off x="159341" y="823811"/>
-              <a:ext cx="195855" cy="673460"/>
-            </a:xfrm>
-            <a:prstGeom prst="rect">
-              <a:avLst/>
-            </a:prstGeom>
-            <a:solidFill>
-              <a:schemeClr val="accent4"/>
-            </a:solidFill>
-            <a:ln>
-              <a:noFill/>
-            </a:ln>
-          </p:spPr>
-          <p:style>
-            <a:lnRef idx="2">
-              <a:schemeClr val="accent1">
-                <a:shade val="50000"/>
-              </a:schemeClr>
-            </a:lnRef>
-            <a:fillRef idx="1">
-              <a:schemeClr val="accent1"/>
-            </a:fillRef>
-            <a:effectRef idx="0">
-              <a:schemeClr val="accent1"/>
-            </a:effectRef>
-            <a:fontRef idx="minor">
-              <a:schemeClr val="lt1"/>
-            </a:fontRef>
-          </p:style>
-          <p:txBody>
-            <a:bodyPr rtlCol="0" anchor="ctr"/>
-            <a:lstStyle/>
-            <a:p>
-              <a:pPr algn="ctr"/>
-              <a:endParaRPr lang="en-US"/>
-            </a:p>
-          </p:txBody>
-        </p:sp>
-      </p:grpSp>
       <p:sp>
         <p:nvSpPr>
-          <p:cNvPr id="16" name="Rectangle 15">
+          <p:cNvPr id="3" name="Content Placeholder 2">
             <a:extLst>
               <a:ext uri="{FF2B5EF4-FFF2-40B4-BE49-F238E27FC236}">
-                <a16:creationId xmlns:a16="http://schemas.microsoft.com/office/drawing/2014/main" id="{3873B707-463F-40B0-8227-E8CC6C67EB25}"/>
+                <a16:creationId xmlns:a16="http://schemas.microsoft.com/office/drawing/2014/main" id="{01933E43-CEB4-A73A-60B6-563986759C58}"/>
+              </a:ext>
+            </a:extLst>
+          </p:cNvPr>
+          <p:cNvSpPr>
+            <a:spLocks noGrp="1"/>
+          </p:cNvSpPr>
+          <p:nvPr>
+            <p:ph idx="1"/>
+          </p:nvPr>
+        </p:nvSpPr>
+        <p:spPr>
+          <a:xfrm>
+            <a:off x="1008184" y="1459907"/>
+            <a:ext cx="10175630" cy="767904"/>
+          </a:xfrm>
+        </p:spPr>
+        <p:txBody>
+          <a:bodyPr anchor="ctr">
+            <a:normAutofit/>
+          </a:bodyPr>
+          <a:lstStyle/>
+          <a:p>
+            <a:pPr marL="0" indent="0" algn="ctr">
+              <a:buNone/>
+            </a:pPr>
+            <a:r>
+              <a:rPr lang="en-US" sz="2000"/>
+              <a:t>As depicted in the line chart, Australia and China has remain amongst the top exports in the world. In comparison US is middle of the pack within the top 5.</a:t>
+            </a:r>
+          </a:p>
+        </p:txBody>
+      </p:sp>
+      <p:pic>
+        <p:nvPicPr>
+          <p:cNvPr id="6" name="Picture 5">
+            <a:extLst>
+              <a:ext uri="{FF2B5EF4-FFF2-40B4-BE49-F238E27FC236}">
+                <a16:creationId xmlns:a16="http://schemas.microsoft.com/office/drawing/2014/main" id="{80166FD4-392E-0E1A-FF8F-81A688B2585B}"/>
+              </a:ext>
+            </a:extLst>
+          </p:cNvPr>
+          <p:cNvPicPr>
+            <a:picLocks noChangeAspect="1"/>
+          </p:cNvPicPr>
+          <p:nvPr/>
+        </p:nvPicPr>
+        <p:blipFill>
+          <a:blip r:embed="rId2"/>
+          <a:stretch>
+            <a:fillRect/>
+          </a:stretch>
+        </p:blipFill>
+        <p:spPr>
+          <a:xfrm>
+            <a:off x="835154" y="2475183"/>
+            <a:ext cx="10515595" cy="3759325"/>
+          </a:xfrm>
+          <a:prstGeom prst="rect">
+            <a:avLst/>
+          </a:prstGeom>
+        </p:spPr>
+      </p:pic>
+    </p:spTree>
+    <p:extLst>
+      <p:ext uri="{BB962C8B-B14F-4D97-AF65-F5344CB8AC3E}">
+        <p14:creationId xmlns:p14="http://schemas.microsoft.com/office/powerpoint/2010/main" val="1048770230"/>
+      </p:ext>
+    </p:extLst>
+  </p:cSld>
+  <p:clrMapOvr>
+    <a:masterClrMapping/>
+  </p:clrMapOvr>
+</p:sld>
+</file>
+
+<file path=ppt/slides/slide12.xml><?xml version="1.0" encoding="utf-8"?>
+<p:sld xmlns:a="http://schemas.openxmlformats.org/drawingml/2006/main" xmlns:r="http://schemas.openxmlformats.org/officeDocument/2006/relationships" xmlns:p="http://schemas.openxmlformats.org/presentationml/2006/main">
+  <p:cSld>
+    <p:spTree>
+      <p:nvGrpSpPr>
+        <p:cNvPr id="1" name=""/>
+        <p:cNvGrpSpPr/>
+        <p:nvPr/>
+      </p:nvGrpSpPr>
+      <p:grpSpPr>
+        <a:xfrm>
+          <a:off x="0" y="0"/>
+          <a:ext cx="0" cy="0"/>
+          <a:chOff x="0" y="0"/>
+          <a:chExt cx="0" cy="0"/>
+        </a:xfrm>
+      </p:grpSpPr>
+      <p:pic>
+        <p:nvPicPr>
+          <p:cNvPr id="3" name="Picture 2">
+            <a:extLst>
+              <a:ext uri="{FF2B5EF4-FFF2-40B4-BE49-F238E27FC236}">
+                <a16:creationId xmlns:a16="http://schemas.microsoft.com/office/drawing/2014/main" id="{A4E9BFB5-656A-A7F5-146C-8803058BBC84}"/>
+              </a:ext>
+            </a:extLst>
+          </p:cNvPr>
+          <p:cNvPicPr>
+            <a:picLocks noChangeAspect="1"/>
+          </p:cNvPicPr>
+          <p:nvPr/>
+        </p:nvPicPr>
+        <p:blipFill>
+          <a:blip r:embed="rId2"/>
+          <a:stretch>
+            <a:fillRect/>
+          </a:stretch>
+        </p:blipFill>
+        <p:spPr>
+          <a:xfrm>
+            <a:off x="504391" y="775854"/>
+            <a:ext cx="9077325" cy="5146098"/>
+          </a:xfrm>
+          <a:prstGeom prst="rect">
+            <a:avLst/>
+          </a:prstGeom>
+        </p:spPr>
+      </p:pic>
+    </p:spTree>
+    <p:extLst>
+      <p:ext uri="{BB962C8B-B14F-4D97-AF65-F5344CB8AC3E}">
+        <p14:creationId xmlns:p14="http://schemas.microsoft.com/office/powerpoint/2010/main" val="1438356459"/>
+      </p:ext>
+    </p:extLst>
+  </p:cSld>
+  <p:clrMapOvr>
+    <a:masterClrMapping/>
+  </p:clrMapOvr>
+</p:sld>
+</file>
+
+<file path=ppt/slides/slide13.xml><?xml version="1.0" encoding="utf-8"?>
+<p:sld xmlns:a="http://schemas.openxmlformats.org/drawingml/2006/main" xmlns:r="http://schemas.openxmlformats.org/officeDocument/2006/relationships" xmlns:p="http://schemas.openxmlformats.org/presentationml/2006/main">
+  <p:cSld>
+    <p:bg>
+      <p:bgPr>
+        <a:solidFill>
+          <a:schemeClr val="bg1"/>
+        </a:solidFill>
+        <a:effectLst/>
+      </p:bgPr>
+    </p:bg>
+    <p:spTree>
+      <p:nvGrpSpPr>
+        <p:cNvPr id="1" name=""/>
+        <p:cNvGrpSpPr/>
+        <p:nvPr/>
+      </p:nvGrpSpPr>
+      <p:grpSpPr>
+        <a:xfrm>
+          <a:off x="0" y="0"/>
+          <a:ext cx="0" cy="0"/>
+          <a:chOff x="0" y="0"/>
+          <a:chExt cx="0" cy="0"/>
+        </a:xfrm>
+      </p:grpSpPr>
+      <p:sp>
+        <p:nvSpPr>
+          <p:cNvPr id="25" name="Rectangle 24">
+            <a:extLst>
+              <a:ext uri="{FF2B5EF4-FFF2-40B4-BE49-F238E27FC236}">
+                <a16:creationId xmlns:a16="http://schemas.microsoft.com/office/drawing/2014/main" id="{F3060C83-F051-4F0E-ABAD-AA0DFC48B218}"/>
               </a:ext>
               <a:ext uri="{C183D7F6-B498-43B3-948B-1728B52AA6E4}">
                 <adec:decorative xmlns:adec="http://schemas.microsoft.com/office/drawing/2017/decorative" val="1"/>
@@ -7577,15 +8168,15 @@
           </p:nvPr>
         </p:nvSpPr>
         <p:spPr>
-          <a:xfrm flipH="1">
-            <a:off x="665085" y="2090569"/>
-            <a:ext cx="4297680" cy="27432"/>
+          <a:xfrm>
+            <a:off x="0" y="0"/>
+            <a:ext cx="12192000" cy="6858000"/>
           </a:xfrm>
           <a:prstGeom prst="rect">
             <a:avLst/>
           </a:prstGeom>
           <a:solidFill>
-            <a:schemeClr val="accent4"/>
+            <a:schemeClr val="bg1"/>
           </a:solidFill>
           <a:ln>
             <a:noFill/>
@@ -7612,54 +8203,16 @@
           <a:lstStyle/>
           <a:p>
             <a:pPr algn="ctr"/>
-            <a:endParaRPr lang="en-US"/>
+            <a:endParaRPr lang="en-US" dirty="0"/>
           </a:p>
         </p:txBody>
       </p:sp>
       <p:sp>
         <p:nvSpPr>
-          <p:cNvPr id="3" name="Content Placeholder 2">
+          <p:cNvPr id="27" name="Freeform: Shape 26">
             <a:extLst>
               <a:ext uri="{FF2B5EF4-FFF2-40B4-BE49-F238E27FC236}">
-                <a16:creationId xmlns:a16="http://schemas.microsoft.com/office/drawing/2014/main" id="{01933E43-CEB4-A73A-60B6-563986759C58}"/>
-              </a:ext>
-            </a:extLst>
-          </p:cNvPr>
-          <p:cNvSpPr>
-            <a:spLocks noGrp="1"/>
-          </p:cNvSpPr>
-          <p:nvPr>
-            <p:ph idx="1"/>
-          </p:nvPr>
-        </p:nvSpPr>
-        <p:spPr>
-          <a:xfrm>
-            <a:off x="590719" y="2330505"/>
-            <a:ext cx="4559425" cy="3979585"/>
-          </a:xfrm>
-        </p:spPr>
-        <p:txBody>
-          <a:bodyPr anchor="ctr">
-            <a:normAutofit/>
-          </a:bodyPr>
-          <a:lstStyle/>
-          <a:p>
-            <a:pPr marL="0" indent="0">
-              <a:buNone/>
-            </a:pPr>
-            <a:r>
-              <a:rPr lang="en-US" sz="3200" dirty="0"/>
-              <a:t>As depicted in the line chart, Australia and China has remain amongst the top exports in the world. In comparison US is middle within the top 5.</a:t>
-            </a:r>
-          </a:p>
-        </p:txBody>
-      </p:sp>
-      <p:sp>
-        <p:nvSpPr>
-          <p:cNvPr id="18" name="Rectangle 17">
-            <a:extLst>
-              <a:ext uri="{FF2B5EF4-FFF2-40B4-BE49-F238E27FC236}">
-                <a16:creationId xmlns:a16="http://schemas.microsoft.com/office/drawing/2014/main" id="{C13237C8-E62C-4F0D-A318-BD6FB6C2D138}"/>
+                <a16:creationId xmlns:a16="http://schemas.microsoft.com/office/drawing/2014/main" id="{83C98ABE-055B-441F-B07E-44F97F083C39}"/>
               </a:ext>
               <a:ext uri="{C183D7F6-B498-43B3-948B-1728B52AA6E4}">
                 <adec:decorative xmlns:adec="http://schemas.microsoft.com/office/drawing/2017/decorative" val="1"/>
@@ -7678,15 +8231,68 @@
           </p:nvPr>
         </p:nvSpPr>
         <p:spPr>
-          <a:xfrm flipH="1">
-            <a:off x="10697670" y="0"/>
-            <a:ext cx="1494330" cy="6858000"/>
+          <a:xfrm rot="18900000" flipH="1">
+            <a:off x="-376156" y="-253670"/>
+            <a:ext cx="1827638" cy="1376989"/>
           </a:xfrm>
-          <a:prstGeom prst="rect">
+          <a:custGeom>
             <a:avLst/>
-          </a:prstGeom>
+            <a:gdLst>
+              <a:gd name="connsiteX0" fmla="*/ 0 w 1827638"/>
+              <a:gd name="connsiteY0" fmla="*/ 987379 h 1376989"/>
+              <a:gd name="connsiteX1" fmla="*/ 987379 w 1827638"/>
+              <a:gd name="connsiteY1" fmla="*/ 0 h 1376989"/>
+              <a:gd name="connsiteX2" fmla="*/ 1827638 w 1827638"/>
+              <a:gd name="connsiteY2" fmla="*/ 840260 h 1376989"/>
+              <a:gd name="connsiteX3" fmla="*/ 1827638 w 1827638"/>
+              <a:gd name="connsiteY3" fmla="*/ 1376989 h 1376989"/>
+              <a:gd name="connsiteX4" fmla="*/ 0 w 1827638"/>
+              <a:gd name="connsiteY4" fmla="*/ 1376989 h 1376989"/>
+            </a:gdLst>
+            <a:ahLst/>
+            <a:cxnLst>
+              <a:cxn ang="0">
+                <a:pos x="connsiteX0" y="connsiteY0"/>
+              </a:cxn>
+              <a:cxn ang="0">
+                <a:pos x="connsiteX1" y="connsiteY1"/>
+              </a:cxn>
+              <a:cxn ang="0">
+                <a:pos x="connsiteX2" y="connsiteY2"/>
+              </a:cxn>
+              <a:cxn ang="0">
+                <a:pos x="connsiteX3" y="connsiteY3"/>
+              </a:cxn>
+              <a:cxn ang="0">
+                <a:pos x="connsiteX4" y="connsiteY4"/>
+              </a:cxn>
+            </a:cxnLst>
+            <a:rect l="l" t="t" r="r" b="b"/>
+            <a:pathLst>
+              <a:path w="1827638" h="1376989">
+                <a:moveTo>
+                  <a:pt x="0" y="987379"/>
+                </a:moveTo>
+                <a:lnTo>
+                  <a:pt x="987379" y="0"/>
+                </a:lnTo>
+                <a:lnTo>
+                  <a:pt x="1827638" y="840260"/>
+                </a:lnTo>
+                <a:lnTo>
+                  <a:pt x="1827638" y="1376989"/>
+                </a:lnTo>
+                <a:lnTo>
+                  <a:pt x="0" y="1376989"/>
+                </a:lnTo>
+                <a:close/>
+              </a:path>
+            </a:pathLst>
+          </a:custGeom>
           <a:solidFill>
-            <a:schemeClr val="accent4"/>
+            <a:schemeClr val="accent1">
+              <a:alpha val="30000"/>
+            </a:schemeClr>
           </a:solidFill>
           <a:ln>
             <a:noFill/>
@@ -7713,16 +8319,16 @@
           <a:lstStyle/>
           <a:p>
             <a:pPr algn="ctr"/>
-            <a:endParaRPr lang="en-US"/>
+            <a:endParaRPr lang="en-US" dirty="0"/>
           </a:p>
         </p:txBody>
       </p:sp>
       <p:sp>
         <p:nvSpPr>
-          <p:cNvPr id="20" name="Rectangle 19">
+          <p:cNvPr id="29" name="Rectangle 28">
             <a:extLst>
               <a:ext uri="{FF2B5EF4-FFF2-40B4-BE49-F238E27FC236}">
-                <a16:creationId xmlns:a16="http://schemas.microsoft.com/office/drawing/2014/main" id="{19C9EAEA-39D0-4B0E-A0EB-51E7B26740B1}"/>
+                <a16:creationId xmlns:a16="http://schemas.microsoft.com/office/drawing/2014/main" id="{29FDB030-9B49-4CED-8CCD-4D99382388AC}"/>
               </a:ext>
               <a:ext uri="{C183D7F6-B498-43B3-948B-1728B52AA6E4}">
                 <adec:decorative xmlns:adec="http://schemas.microsoft.com/office/drawing/2017/decorative" val="1"/>
@@ -7741,26 +8347,21 @@
           </p:nvPr>
         </p:nvSpPr>
         <p:spPr>
-          <a:xfrm>
-            <a:off x="5685810" y="513853"/>
-            <a:ext cx="6009366" cy="5834577"/>
+          <a:xfrm rot="18900000" flipH="1">
+            <a:off x="891641" y="422146"/>
+            <a:ext cx="645368" cy="645368"/>
           </a:xfrm>
           <a:prstGeom prst="rect">
             <a:avLst/>
           </a:prstGeom>
           <a:solidFill>
-            <a:schemeClr val="bg1"/>
+            <a:schemeClr val="accent1">
+              <a:alpha val="30000"/>
+            </a:schemeClr>
           </a:solidFill>
           <a:ln>
             <a:noFill/>
           </a:ln>
-          <a:effectLst>
-            <a:outerShdw blurRad="139700" dist="127000" dir="5400000" algn="t" rotWithShape="0">
-              <a:prstClr val="black">
-                <a:alpha val="15000"/>
-              </a:prstClr>
-            </a:outerShdw>
-          </a:effectLst>
         </p:spPr>
         <p:style>
           <a:lnRef idx="2">
@@ -7787,12 +8388,252 @@
           </a:p>
         </p:txBody>
       </p:sp>
+      <p:sp>
+        <p:nvSpPr>
+          <p:cNvPr id="31" name="Rectangle 30">
+            <a:extLst>
+              <a:ext uri="{FF2B5EF4-FFF2-40B4-BE49-F238E27FC236}">
+                <a16:creationId xmlns:a16="http://schemas.microsoft.com/office/drawing/2014/main" id="{3783CA14-24A1-485C-8B30-D6A5D87987AD}"/>
+              </a:ext>
+              <a:ext uri="{C183D7F6-B498-43B3-948B-1728B52AA6E4}">
+                <adec:decorative xmlns:adec="http://schemas.microsoft.com/office/drawing/2017/decorative" val="1"/>
+              </a:ext>
+            </a:extLst>
+          </p:cNvPr>
+          <p:cNvSpPr>
+            <a:spLocks noGrp="1" noRot="1" noChangeAspect="1" noMove="1" noResize="1" noEditPoints="1" noAdjustHandles="1" noChangeArrowheads="1" noChangeShapeType="1" noTextEdit="1"/>
+          </p:cNvSpPr>
+          <p:nvPr>
+            <p:extLst>
+              <p:ext uri="{386F3935-93C4-4BCD-93E2-E3B085C9AB24}">
+                <p16:designElem xmlns:p16="http://schemas.microsoft.com/office/powerpoint/2015/main" val="1"/>
+              </p:ext>
+            </p:extLst>
+          </p:nvPr>
+        </p:nvSpPr>
+        <p:spPr>
+          <a:xfrm rot="18900000" flipH="1">
+            <a:off x="10043482" y="655140"/>
+            <a:ext cx="687472" cy="687472"/>
+          </a:xfrm>
+          <a:prstGeom prst="rect">
+            <a:avLst/>
+          </a:prstGeom>
+          <a:solidFill>
+            <a:schemeClr val="accent4">
+              <a:alpha val="30000"/>
+            </a:schemeClr>
+          </a:solidFill>
+          <a:ln>
+            <a:noFill/>
+          </a:ln>
+        </p:spPr>
+        <p:style>
+          <a:lnRef idx="2">
+            <a:schemeClr val="accent1">
+              <a:shade val="50000"/>
+            </a:schemeClr>
+          </a:lnRef>
+          <a:fillRef idx="1">
+            <a:schemeClr val="accent1"/>
+          </a:fillRef>
+          <a:effectRef idx="0">
+            <a:schemeClr val="accent1"/>
+          </a:effectRef>
+          <a:fontRef idx="minor">
+            <a:schemeClr val="lt1"/>
+          </a:fontRef>
+        </p:style>
+        <p:txBody>
+          <a:bodyPr rtlCol="0" anchor="ctr"/>
+          <a:lstStyle/>
+          <a:p>
+            <a:pPr algn="ctr"/>
+            <a:endParaRPr lang="en-US"/>
+          </a:p>
+        </p:txBody>
+      </p:sp>
+      <p:sp>
+        <p:nvSpPr>
+          <p:cNvPr id="33" name="Freeform: Shape 32">
+            <a:extLst>
+              <a:ext uri="{FF2B5EF4-FFF2-40B4-BE49-F238E27FC236}">
+                <a16:creationId xmlns:a16="http://schemas.microsoft.com/office/drawing/2014/main" id="{9A97C86A-04D6-40F7-AE84-31AB43E6A846}"/>
+              </a:ext>
+              <a:ext uri="{C183D7F6-B498-43B3-948B-1728B52AA6E4}">
+                <adec:decorative xmlns:adec="http://schemas.microsoft.com/office/drawing/2017/decorative" val="1"/>
+              </a:ext>
+            </a:extLst>
+          </p:cNvPr>
+          <p:cNvSpPr>
+            <a:spLocks noGrp="1" noRot="1" noChangeAspect="1" noMove="1" noResize="1" noEditPoints="1" noAdjustHandles="1" noChangeArrowheads="1" noChangeShapeType="1" noTextEdit="1"/>
+          </p:cNvSpPr>
+          <p:nvPr>
+            <p:extLst>
+              <p:ext uri="{386F3935-93C4-4BCD-93E2-E3B085C9AB24}">
+                <p16:designElem xmlns:p16="http://schemas.microsoft.com/office/powerpoint/2015/main" val="1"/>
+              </p:ext>
+            </p:extLst>
+          </p:nvPr>
+        </p:nvSpPr>
+        <p:spPr>
+          <a:xfrm rot="10800000" flipH="1">
+            <a:off x="9356643" y="0"/>
+            <a:ext cx="2835357" cy="1480837"/>
+          </a:xfrm>
+          <a:custGeom>
+            <a:avLst/>
+            <a:gdLst>
+              <a:gd name="connsiteX0" fmla="*/ 2835357 w 2835357"/>
+              <a:gd name="connsiteY0" fmla="*/ 1480837 h 1480837"/>
+              <a:gd name="connsiteX1" fmla="*/ 0 w 2835357"/>
+              <a:gd name="connsiteY1" fmla="*/ 1480837 h 1480837"/>
+              <a:gd name="connsiteX2" fmla="*/ 1552727 w 2835357"/>
+              <a:gd name="connsiteY2" fmla="*/ 0 h 1480837"/>
+              <a:gd name="connsiteX3" fmla="*/ 2835357 w 2835357"/>
+              <a:gd name="connsiteY3" fmla="*/ 1223245 h 1480837"/>
+            </a:gdLst>
+            <a:ahLst/>
+            <a:cxnLst>
+              <a:cxn ang="0">
+                <a:pos x="connsiteX0" y="connsiteY0"/>
+              </a:cxn>
+              <a:cxn ang="0">
+                <a:pos x="connsiteX1" y="connsiteY1"/>
+              </a:cxn>
+              <a:cxn ang="0">
+                <a:pos x="connsiteX2" y="connsiteY2"/>
+              </a:cxn>
+              <a:cxn ang="0">
+                <a:pos x="connsiteX3" y="connsiteY3"/>
+              </a:cxn>
+            </a:cxnLst>
+            <a:rect l="l" t="t" r="r" b="b"/>
+            <a:pathLst>
+              <a:path w="2835357" h="1480837">
+                <a:moveTo>
+                  <a:pt x="2835357" y="1480837"/>
+                </a:moveTo>
+                <a:lnTo>
+                  <a:pt x="0" y="1480837"/>
+                </a:lnTo>
+                <a:lnTo>
+                  <a:pt x="1552727" y="0"/>
+                </a:lnTo>
+                <a:lnTo>
+                  <a:pt x="2835357" y="1223245"/>
+                </a:lnTo>
+                <a:close/>
+              </a:path>
+            </a:pathLst>
+          </a:custGeom>
+          <a:solidFill>
+            <a:schemeClr val="accent4">
+              <a:alpha val="30000"/>
+            </a:schemeClr>
+          </a:solidFill>
+          <a:ln>
+            <a:noFill/>
+          </a:ln>
+        </p:spPr>
+        <p:style>
+          <a:lnRef idx="2">
+            <a:schemeClr val="accent1">
+              <a:shade val="50000"/>
+            </a:schemeClr>
+          </a:lnRef>
+          <a:fillRef idx="1">
+            <a:schemeClr val="accent1"/>
+          </a:fillRef>
+          <a:effectRef idx="0">
+            <a:schemeClr val="accent1"/>
+          </a:effectRef>
+          <a:fontRef idx="minor">
+            <a:schemeClr val="lt1"/>
+          </a:fontRef>
+        </p:style>
+        <p:txBody>
+          <a:bodyPr wrap="square" rtlCol="0" anchor="ctr">
+            <a:noAutofit/>
+          </a:bodyPr>
+          <a:lstStyle/>
+          <a:p>
+            <a:pPr algn="ctr"/>
+            <a:endParaRPr lang="en-US" dirty="0"/>
+          </a:p>
+        </p:txBody>
+      </p:sp>
+      <p:sp>
+        <p:nvSpPr>
+          <p:cNvPr id="35" name="Isosceles Triangle 34">
+            <a:extLst>
+              <a:ext uri="{FF2B5EF4-FFF2-40B4-BE49-F238E27FC236}">
+                <a16:creationId xmlns:a16="http://schemas.microsoft.com/office/drawing/2014/main" id="{FF9F2414-84E8-453E-B1F3-389FDE8192D9}"/>
+              </a:ext>
+              <a:ext uri="{C183D7F6-B498-43B3-948B-1728B52AA6E4}">
+                <adec:decorative xmlns:adec="http://schemas.microsoft.com/office/drawing/2017/decorative" val="1"/>
+              </a:ext>
+            </a:extLst>
+          </p:cNvPr>
+          <p:cNvSpPr>
+            <a:spLocks noGrp="1" noRot="1" noChangeAspect="1" noMove="1" noResize="1" noEditPoints="1" noAdjustHandles="1" noChangeArrowheads="1" noChangeShapeType="1" noTextEdit="1"/>
+          </p:cNvSpPr>
+          <p:nvPr>
+            <p:extLst>
+              <p:ext uri="{386F3935-93C4-4BCD-93E2-E3B085C9AB24}">
+                <p16:designElem xmlns:p16="http://schemas.microsoft.com/office/powerpoint/2015/main" val="1"/>
+              </p:ext>
+            </p:extLst>
+          </p:nvPr>
+        </p:nvSpPr>
+        <p:spPr>
+          <a:xfrm flipH="1">
+            <a:off x="7976344" y="6115501"/>
+            <a:ext cx="1494513" cy="742499"/>
+          </a:xfrm>
+          <a:prstGeom prst="triangle">
+            <a:avLst/>
+          </a:prstGeom>
+          <a:solidFill>
+            <a:schemeClr val="accent1">
+              <a:alpha val="30000"/>
+            </a:schemeClr>
+          </a:solidFill>
+          <a:ln>
+            <a:noFill/>
+          </a:ln>
+        </p:spPr>
+        <p:style>
+          <a:lnRef idx="2">
+            <a:schemeClr val="accent1">
+              <a:shade val="50000"/>
+            </a:schemeClr>
+          </a:lnRef>
+          <a:fillRef idx="1">
+            <a:schemeClr val="accent1"/>
+          </a:fillRef>
+          <a:effectRef idx="0">
+            <a:schemeClr val="accent1"/>
+          </a:effectRef>
+          <a:fontRef idx="minor">
+            <a:schemeClr val="lt1"/>
+          </a:fontRef>
+        </p:style>
+        <p:txBody>
+          <a:bodyPr rtlCol="0" anchor="ctr"/>
+          <a:lstStyle/>
+          <a:p>
+            <a:pPr algn="ctr"/>
+            <a:endParaRPr lang="en-US"/>
+          </a:p>
+        </p:txBody>
+      </p:sp>
       <p:pic>
         <p:nvPicPr>
           <p:cNvPr id="5" name="Picture 4">
             <a:extLst>
               <a:ext uri="{FF2B5EF4-FFF2-40B4-BE49-F238E27FC236}">
-                <a16:creationId xmlns:a16="http://schemas.microsoft.com/office/drawing/2014/main" id="{61C0B917-D7BE-4CC5-D0DE-AE95C44FDE9B}"/>
+                <a16:creationId xmlns:a16="http://schemas.microsoft.com/office/drawing/2014/main" id="{95C7F601-0EE5-5848-C0D7-7BF013C25FBA}"/>
               </a:ext>
             </a:extLst>
           </p:cNvPr>
@@ -7803,23 +8644,92 @@
         </p:nvPicPr>
         <p:blipFill>
           <a:blip r:embed="rId2"/>
-          <a:srcRect r="14893" b="-2"/>
-          <a:stretch/>
+          <a:stretch>
+            <a:fillRect/>
+          </a:stretch>
         </p:blipFill>
         <p:spPr>
           <a:xfrm>
-            <a:off x="5773173" y="649744"/>
-            <a:ext cx="5425410" cy="5259296"/>
+            <a:off x="1453445" y="643467"/>
+            <a:ext cx="9285109" cy="5571065"/>
           </a:xfrm>
           <a:prstGeom prst="rect">
             <a:avLst/>
           </a:prstGeom>
+          <a:ln>
+            <a:noFill/>
+          </a:ln>
         </p:spPr>
       </p:pic>
+      <p:sp>
+        <p:nvSpPr>
+          <p:cNvPr id="37" name="Isosceles Triangle 36">
+            <a:extLst>
+              <a:ext uri="{FF2B5EF4-FFF2-40B4-BE49-F238E27FC236}">
+                <a16:creationId xmlns:a16="http://schemas.microsoft.com/office/drawing/2014/main" id="{3ECA69A1-7536-43AC-85EF-C7106179F5ED}"/>
+              </a:ext>
+              <a:ext uri="{C183D7F6-B498-43B3-948B-1728B52AA6E4}">
+                <adec:decorative xmlns:adec="http://schemas.microsoft.com/office/drawing/2017/decorative" val="1"/>
+              </a:ext>
+            </a:extLst>
+          </p:cNvPr>
+          <p:cNvSpPr>
+            <a:spLocks noGrp="1" noRot="1" noChangeAspect="1" noMove="1" noResize="1" noEditPoints="1" noAdjustHandles="1" noChangeArrowheads="1" noChangeShapeType="1" noTextEdit="1"/>
+          </p:cNvSpPr>
+          <p:nvPr>
+            <p:extLst>
+              <p:ext uri="{386F3935-93C4-4BCD-93E2-E3B085C9AB24}">
+                <p16:designElem xmlns:p16="http://schemas.microsoft.com/office/powerpoint/2015/main" val="1"/>
+              </p:ext>
+            </p:extLst>
+          </p:nvPr>
+        </p:nvSpPr>
+        <p:spPr>
+          <a:xfrm flipH="1">
+            <a:off x="7604080" y="6453143"/>
+            <a:ext cx="814903" cy="404857"/>
+          </a:xfrm>
+          <a:prstGeom prst="triangle">
+            <a:avLst/>
+          </a:prstGeom>
+          <a:solidFill>
+            <a:schemeClr val="accent1">
+              <a:alpha val="30000"/>
+            </a:schemeClr>
+          </a:solidFill>
+          <a:ln>
+            <a:noFill/>
+          </a:ln>
+        </p:spPr>
+        <p:style>
+          <a:lnRef idx="2">
+            <a:schemeClr val="accent1">
+              <a:shade val="50000"/>
+            </a:schemeClr>
+          </a:lnRef>
+          <a:fillRef idx="1">
+            <a:schemeClr val="accent1"/>
+          </a:fillRef>
+          <a:effectRef idx="0">
+            <a:schemeClr val="accent1"/>
+          </a:effectRef>
+          <a:fontRef idx="minor">
+            <a:schemeClr val="lt1"/>
+          </a:fontRef>
+        </p:style>
+        <p:txBody>
+          <a:bodyPr rtlCol="0" anchor="ctr"/>
+          <a:lstStyle/>
+          <a:p>
+            <a:pPr algn="ctr"/>
+            <a:endParaRPr lang="en-US"/>
+          </a:p>
+        </p:txBody>
+      </p:sp>
     </p:spTree>
     <p:extLst>
       <p:ext uri="{BB962C8B-B14F-4D97-AF65-F5344CB8AC3E}">
-        <p14:creationId xmlns:p14="http://schemas.microsoft.com/office/powerpoint/2010/main" val="1048770230"/>
+        <p14:creationId xmlns:p14="http://schemas.microsoft.com/office/powerpoint/2010/main" val="2959974914"/>
       </p:ext>
     </p:extLst>
   </p:cSld>
@@ -7829,7 +8739,627 @@
 </p:sld>
 </file>
 
-<file path=ppt/slides/slide12.xml><?xml version="1.0" encoding="utf-8"?>
+<file path=ppt/slides/slide14.xml><?xml version="1.0" encoding="utf-8"?>
+<p:sld xmlns:a="http://schemas.openxmlformats.org/drawingml/2006/main" xmlns:r="http://schemas.openxmlformats.org/officeDocument/2006/relationships" xmlns:p="http://schemas.openxmlformats.org/presentationml/2006/main">
+  <p:cSld>
+    <p:bg>
+      <p:bgPr>
+        <a:solidFill>
+          <a:schemeClr val="bg1"/>
+        </a:solidFill>
+        <a:effectLst/>
+      </p:bgPr>
+    </p:bg>
+    <p:spTree>
+      <p:nvGrpSpPr>
+        <p:cNvPr id="1" name=""/>
+        <p:cNvGrpSpPr/>
+        <p:nvPr/>
+      </p:nvGrpSpPr>
+      <p:grpSpPr>
+        <a:xfrm>
+          <a:off x="0" y="0"/>
+          <a:ext cx="0" cy="0"/>
+          <a:chOff x="0" y="0"/>
+          <a:chExt cx="0" cy="0"/>
+        </a:xfrm>
+      </p:grpSpPr>
+      <p:sp>
+        <p:nvSpPr>
+          <p:cNvPr id="8" name="Rectangle 7">
+            <a:extLst>
+              <a:ext uri="{FF2B5EF4-FFF2-40B4-BE49-F238E27FC236}">
+                <a16:creationId xmlns:a16="http://schemas.microsoft.com/office/drawing/2014/main" id="{F3060C83-F051-4F0E-ABAD-AA0DFC48B218}"/>
+              </a:ext>
+              <a:ext uri="{C183D7F6-B498-43B3-948B-1728B52AA6E4}">
+                <adec:decorative xmlns:adec="http://schemas.microsoft.com/office/drawing/2017/decorative" val="1"/>
+              </a:ext>
+            </a:extLst>
+          </p:cNvPr>
+          <p:cNvSpPr>
+            <a:spLocks noGrp="1" noRot="1" noChangeAspect="1" noMove="1" noResize="1" noEditPoints="1" noAdjustHandles="1" noChangeArrowheads="1" noChangeShapeType="1" noTextEdit="1"/>
+          </p:cNvSpPr>
+          <p:nvPr>
+            <p:extLst>
+              <p:ext uri="{386F3935-93C4-4BCD-93E2-E3B085C9AB24}">
+                <p16:designElem xmlns:p16="http://schemas.microsoft.com/office/powerpoint/2015/main" val="1"/>
+              </p:ext>
+            </p:extLst>
+          </p:nvPr>
+        </p:nvSpPr>
+        <p:spPr>
+          <a:xfrm>
+            <a:off x="0" y="0"/>
+            <a:ext cx="12192000" cy="6858000"/>
+          </a:xfrm>
+          <a:prstGeom prst="rect">
+            <a:avLst/>
+          </a:prstGeom>
+          <a:solidFill>
+            <a:schemeClr val="bg1"/>
+          </a:solidFill>
+          <a:ln>
+            <a:noFill/>
+          </a:ln>
+        </p:spPr>
+        <p:style>
+          <a:lnRef idx="2">
+            <a:schemeClr val="accent1">
+              <a:shade val="50000"/>
+            </a:schemeClr>
+          </a:lnRef>
+          <a:fillRef idx="1">
+            <a:schemeClr val="accent1"/>
+          </a:fillRef>
+          <a:effectRef idx="0">
+            <a:schemeClr val="accent1"/>
+          </a:effectRef>
+          <a:fontRef idx="minor">
+            <a:schemeClr val="lt1"/>
+          </a:fontRef>
+        </p:style>
+        <p:txBody>
+          <a:bodyPr rtlCol="0" anchor="ctr"/>
+          <a:lstStyle/>
+          <a:p>
+            <a:pPr algn="ctr"/>
+            <a:endParaRPr lang="en-US" dirty="0"/>
+          </a:p>
+        </p:txBody>
+      </p:sp>
+      <p:sp>
+        <p:nvSpPr>
+          <p:cNvPr id="10" name="Freeform: Shape 9">
+            <a:extLst>
+              <a:ext uri="{FF2B5EF4-FFF2-40B4-BE49-F238E27FC236}">
+                <a16:creationId xmlns:a16="http://schemas.microsoft.com/office/drawing/2014/main" id="{83C98ABE-055B-441F-B07E-44F97F083C39}"/>
+              </a:ext>
+              <a:ext uri="{C183D7F6-B498-43B3-948B-1728B52AA6E4}">
+                <adec:decorative xmlns:adec="http://schemas.microsoft.com/office/drawing/2017/decorative" val="1"/>
+              </a:ext>
+            </a:extLst>
+          </p:cNvPr>
+          <p:cNvSpPr>
+            <a:spLocks noGrp="1" noRot="1" noChangeAspect="1" noMove="1" noResize="1" noEditPoints="1" noAdjustHandles="1" noChangeArrowheads="1" noChangeShapeType="1" noTextEdit="1"/>
+          </p:cNvSpPr>
+          <p:nvPr>
+            <p:extLst>
+              <p:ext uri="{386F3935-93C4-4BCD-93E2-E3B085C9AB24}">
+                <p16:designElem xmlns:p16="http://schemas.microsoft.com/office/powerpoint/2015/main" val="1"/>
+              </p:ext>
+            </p:extLst>
+          </p:nvPr>
+        </p:nvSpPr>
+        <p:spPr>
+          <a:xfrm rot="18900000" flipH="1">
+            <a:off x="-376156" y="-253670"/>
+            <a:ext cx="1827638" cy="1376989"/>
+          </a:xfrm>
+          <a:custGeom>
+            <a:avLst/>
+            <a:gdLst>
+              <a:gd name="connsiteX0" fmla="*/ 0 w 1827638"/>
+              <a:gd name="connsiteY0" fmla="*/ 987379 h 1376989"/>
+              <a:gd name="connsiteX1" fmla="*/ 987379 w 1827638"/>
+              <a:gd name="connsiteY1" fmla="*/ 0 h 1376989"/>
+              <a:gd name="connsiteX2" fmla="*/ 1827638 w 1827638"/>
+              <a:gd name="connsiteY2" fmla="*/ 840260 h 1376989"/>
+              <a:gd name="connsiteX3" fmla="*/ 1827638 w 1827638"/>
+              <a:gd name="connsiteY3" fmla="*/ 1376989 h 1376989"/>
+              <a:gd name="connsiteX4" fmla="*/ 0 w 1827638"/>
+              <a:gd name="connsiteY4" fmla="*/ 1376989 h 1376989"/>
+            </a:gdLst>
+            <a:ahLst/>
+            <a:cxnLst>
+              <a:cxn ang="0">
+                <a:pos x="connsiteX0" y="connsiteY0"/>
+              </a:cxn>
+              <a:cxn ang="0">
+                <a:pos x="connsiteX1" y="connsiteY1"/>
+              </a:cxn>
+              <a:cxn ang="0">
+                <a:pos x="connsiteX2" y="connsiteY2"/>
+              </a:cxn>
+              <a:cxn ang="0">
+                <a:pos x="connsiteX3" y="connsiteY3"/>
+              </a:cxn>
+              <a:cxn ang="0">
+                <a:pos x="connsiteX4" y="connsiteY4"/>
+              </a:cxn>
+            </a:cxnLst>
+            <a:rect l="l" t="t" r="r" b="b"/>
+            <a:pathLst>
+              <a:path w="1827638" h="1376989">
+                <a:moveTo>
+                  <a:pt x="0" y="987379"/>
+                </a:moveTo>
+                <a:lnTo>
+                  <a:pt x="987379" y="0"/>
+                </a:lnTo>
+                <a:lnTo>
+                  <a:pt x="1827638" y="840260"/>
+                </a:lnTo>
+                <a:lnTo>
+                  <a:pt x="1827638" y="1376989"/>
+                </a:lnTo>
+                <a:lnTo>
+                  <a:pt x="0" y="1376989"/>
+                </a:lnTo>
+                <a:close/>
+              </a:path>
+            </a:pathLst>
+          </a:custGeom>
+          <a:solidFill>
+            <a:schemeClr val="accent1">
+              <a:alpha val="30000"/>
+            </a:schemeClr>
+          </a:solidFill>
+          <a:ln>
+            <a:noFill/>
+          </a:ln>
+        </p:spPr>
+        <p:style>
+          <a:lnRef idx="2">
+            <a:schemeClr val="accent1">
+              <a:shade val="50000"/>
+            </a:schemeClr>
+          </a:lnRef>
+          <a:fillRef idx="1">
+            <a:schemeClr val="accent1"/>
+          </a:fillRef>
+          <a:effectRef idx="0">
+            <a:schemeClr val="accent1"/>
+          </a:effectRef>
+          <a:fontRef idx="minor">
+            <a:schemeClr val="lt1"/>
+          </a:fontRef>
+        </p:style>
+        <p:txBody>
+          <a:bodyPr rtlCol="0" anchor="ctr"/>
+          <a:lstStyle/>
+          <a:p>
+            <a:pPr algn="ctr"/>
+            <a:endParaRPr lang="en-US" dirty="0"/>
+          </a:p>
+        </p:txBody>
+      </p:sp>
+      <p:sp>
+        <p:nvSpPr>
+          <p:cNvPr id="12" name="Rectangle 11">
+            <a:extLst>
+              <a:ext uri="{FF2B5EF4-FFF2-40B4-BE49-F238E27FC236}">
+                <a16:creationId xmlns:a16="http://schemas.microsoft.com/office/drawing/2014/main" id="{29FDB030-9B49-4CED-8CCD-4D99382388AC}"/>
+              </a:ext>
+              <a:ext uri="{C183D7F6-B498-43B3-948B-1728B52AA6E4}">
+                <adec:decorative xmlns:adec="http://schemas.microsoft.com/office/drawing/2017/decorative" val="1"/>
+              </a:ext>
+            </a:extLst>
+          </p:cNvPr>
+          <p:cNvSpPr>
+            <a:spLocks noGrp="1" noRot="1" noChangeAspect="1" noMove="1" noResize="1" noEditPoints="1" noAdjustHandles="1" noChangeArrowheads="1" noChangeShapeType="1" noTextEdit="1"/>
+          </p:cNvSpPr>
+          <p:nvPr>
+            <p:extLst>
+              <p:ext uri="{386F3935-93C4-4BCD-93E2-E3B085C9AB24}">
+                <p16:designElem xmlns:p16="http://schemas.microsoft.com/office/powerpoint/2015/main" val="1"/>
+              </p:ext>
+            </p:extLst>
+          </p:nvPr>
+        </p:nvSpPr>
+        <p:spPr>
+          <a:xfrm rot="18900000" flipH="1">
+            <a:off x="891641" y="422146"/>
+            <a:ext cx="645368" cy="645368"/>
+          </a:xfrm>
+          <a:prstGeom prst="rect">
+            <a:avLst/>
+          </a:prstGeom>
+          <a:solidFill>
+            <a:schemeClr val="accent1">
+              <a:alpha val="30000"/>
+            </a:schemeClr>
+          </a:solidFill>
+          <a:ln>
+            <a:noFill/>
+          </a:ln>
+        </p:spPr>
+        <p:style>
+          <a:lnRef idx="2">
+            <a:schemeClr val="accent1">
+              <a:shade val="50000"/>
+            </a:schemeClr>
+          </a:lnRef>
+          <a:fillRef idx="1">
+            <a:schemeClr val="accent1"/>
+          </a:fillRef>
+          <a:effectRef idx="0">
+            <a:schemeClr val="accent1"/>
+          </a:effectRef>
+          <a:fontRef idx="minor">
+            <a:schemeClr val="lt1"/>
+          </a:fontRef>
+        </p:style>
+        <p:txBody>
+          <a:bodyPr rtlCol="0" anchor="ctr"/>
+          <a:lstStyle/>
+          <a:p>
+            <a:pPr algn="ctr"/>
+            <a:endParaRPr lang="en-US"/>
+          </a:p>
+        </p:txBody>
+      </p:sp>
+      <p:sp>
+        <p:nvSpPr>
+          <p:cNvPr id="14" name="Rectangle 13">
+            <a:extLst>
+              <a:ext uri="{FF2B5EF4-FFF2-40B4-BE49-F238E27FC236}">
+                <a16:creationId xmlns:a16="http://schemas.microsoft.com/office/drawing/2014/main" id="{3783CA14-24A1-485C-8B30-D6A5D87987AD}"/>
+              </a:ext>
+              <a:ext uri="{C183D7F6-B498-43B3-948B-1728B52AA6E4}">
+                <adec:decorative xmlns:adec="http://schemas.microsoft.com/office/drawing/2017/decorative" val="1"/>
+              </a:ext>
+            </a:extLst>
+          </p:cNvPr>
+          <p:cNvSpPr>
+            <a:spLocks noGrp="1" noRot="1" noChangeAspect="1" noMove="1" noResize="1" noEditPoints="1" noAdjustHandles="1" noChangeArrowheads="1" noChangeShapeType="1" noTextEdit="1"/>
+          </p:cNvSpPr>
+          <p:nvPr>
+            <p:extLst>
+              <p:ext uri="{386F3935-93C4-4BCD-93E2-E3B085C9AB24}">
+                <p16:designElem xmlns:p16="http://schemas.microsoft.com/office/powerpoint/2015/main" val="1"/>
+              </p:ext>
+            </p:extLst>
+          </p:nvPr>
+        </p:nvSpPr>
+        <p:spPr>
+          <a:xfrm rot="18900000" flipH="1">
+            <a:off x="10043482" y="655140"/>
+            <a:ext cx="687472" cy="687472"/>
+          </a:xfrm>
+          <a:prstGeom prst="rect">
+            <a:avLst/>
+          </a:prstGeom>
+          <a:solidFill>
+            <a:schemeClr val="accent4">
+              <a:alpha val="30000"/>
+            </a:schemeClr>
+          </a:solidFill>
+          <a:ln>
+            <a:noFill/>
+          </a:ln>
+        </p:spPr>
+        <p:style>
+          <a:lnRef idx="2">
+            <a:schemeClr val="accent1">
+              <a:shade val="50000"/>
+            </a:schemeClr>
+          </a:lnRef>
+          <a:fillRef idx="1">
+            <a:schemeClr val="accent1"/>
+          </a:fillRef>
+          <a:effectRef idx="0">
+            <a:schemeClr val="accent1"/>
+          </a:effectRef>
+          <a:fontRef idx="minor">
+            <a:schemeClr val="lt1"/>
+          </a:fontRef>
+        </p:style>
+        <p:txBody>
+          <a:bodyPr rtlCol="0" anchor="ctr"/>
+          <a:lstStyle/>
+          <a:p>
+            <a:pPr algn="ctr"/>
+            <a:endParaRPr lang="en-US"/>
+          </a:p>
+        </p:txBody>
+      </p:sp>
+      <p:sp>
+        <p:nvSpPr>
+          <p:cNvPr id="16" name="Freeform: Shape 15">
+            <a:extLst>
+              <a:ext uri="{FF2B5EF4-FFF2-40B4-BE49-F238E27FC236}">
+                <a16:creationId xmlns:a16="http://schemas.microsoft.com/office/drawing/2014/main" id="{9A97C86A-04D6-40F7-AE84-31AB43E6A846}"/>
+              </a:ext>
+              <a:ext uri="{C183D7F6-B498-43B3-948B-1728B52AA6E4}">
+                <adec:decorative xmlns:adec="http://schemas.microsoft.com/office/drawing/2017/decorative" val="1"/>
+              </a:ext>
+            </a:extLst>
+          </p:cNvPr>
+          <p:cNvSpPr>
+            <a:spLocks noGrp="1" noRot="1" noChangeAspect="1" noMove="1" noResize="1" noEditPoints="1" noAdjustHandles="1" noChangeArrowheads="1" noChangeShapeType="1" noTextEdit="1"/>
+          </p:cNvSpPr>
+          <p:nvPr>
+            <p:extLst>
+              <p:ext uri="{386F3935-93C4-4BCD-93E2-E3B085C9AB24}">
+                <p16:designElem xmlns:p16="http://schemas.microsoft.com/office/powerpoint/2015/main" val="1"/>
+              </p:ext>
+            </p:extLst>
+          </p:nvPr>
+        </p:nvSpPr>
+        <p:spPr>
+          <a:xfrm rot="10800000" flipH="1">
+            <a:off x="9356643" y="0"/>
+            <a:ext cx="2835357" cy="1480837"/>
+          </a:xfrm>
+          <a:custGeom>
+            <a:avLst/>
+            <a:gdLst>
+              <a:gd name="connsiteX0" fmla="*/ 2835357 w 2835357"/>
+              <a:gd name="connsiteY0" fmla="*/ 1480837 h 1480837"/>
+              <a:gd name="connsiteX1" fmla="*/ 0 w 2835357"/>
+              <a:gd name="connsiteY1" fmla="*/ 1480837 h 1480837"/>
+              <a:gd name="connsiteX2" fmla="*/ 1552727 w 2835357"/>
+              <a:gd name="connsiteY2" fmla="*/ 0 h 1480837"/>
+              <a:gd name="connsiteX3" fmla="*/ 2835357 w 2835357"/>
+              <a:gd name="connsiteY3" fmla="*/ 1223245 h 1480837"/>
+            </a:gdLst>
+            <a:ahLst/>
+            <a:cxnLst>
+              <a:cxn ang="0">
+                <a:pos x="connsiteX0" y="connsiteY0"/>
+              </a:cxn>
+              <a:cxn ang="0">
+                <a:pos x="connsiteX1" y="connsiteY1"/>
+              </a:cxn>
+              <a:cxn ang="0">
+                <a:pos x="connsiteX2" y="connsiteY2"/>
+              </a:cxn>
+              <a:cxn ang="0">
+                <a:pos x="connsiteX3" y="connsiteY3"/>
+              </a:cxn>
+            </a:cxnLst>
+            <a:rect l="l" t="t" r="r" b="b"/>
+            <a:pathLst>
+              <a:path w="2835357" h="1480837">
+                <a:moveTo>
+                  <a:pt x="2835357" y="1480837"/>
+                </a:moveTo>
+                <a:lnTo>
+                  <a:pt x="0" y="1480837"/>
+                </a:lnTo>
+                <a:lnTo>
+                  <a:pt x="1552727" y="0"/>
+                </a:lnTo>
+                <a:lnTo>
+                  <a:pt x="2835357" y="1223245"/>
+                </a:lnTo>
+                <a:close/>
+              </a:path>
+            </a:pathLst>
+          </a:custGeom>
+          <a:solidFill>
+            <a:schemeClr val="accent4">
+              <a:alpha val="30000"/>
+            </a:schemeClr>
+          </a:solidFill>
+          <a:ln>
+            <a:noFill/>
+          </a:ln>
+        </p:spPr>
+        <p:style>
+          <a:lnRef idx="2">
+            <a:schemeClr val="accent1">
+              <a:shade val="50000"/>
+            </a:schemeClr>
+          </a:lnRef>
+          <a:fillRef idx="1">
+            <a:schemeClr val="accent1"/>
+          </a:fillRef>
+          <a:effectRef idx="0">
+            <a:schemeClr val="accent1"/>
+          </a:effectRef>
+          <a:fontRef idx="minor">
+            <a:schemeClr val="lt1"/>
+          </a:fontRef>
+        </p:style>
+        <p:txBody>
+          <a:bodyPr wrap="square" rtlCol="0" anchor="ctr">
+            <a:noAutofit/>
+          </a:bodyPr>
+          <a:lstStyle/>
+          <a:p>
+            <a:pPr algn="ctr"/>
+            <a:endParaRPr lang="en-US" dirty="0"/>
+          </a:p>
+        </p:txBody>
+      </p:sp>
+      <p:sp>
+        <p:nvSpPr>
+          <p:cNvPr id="18" name="Isosceles Triangle 17">
+            <a:extLst>
+              <a:ext uri="{FF2B5EF4-FFF2-40B4-BE49-F238E27FC236}">
+                <a16:creationId xmlns:a16="http://schemas.microsoft.com/office/drawing/2014/main" id="{FF9F2414-84E8-453E-B1F3-389FDE8192D9}"/>
+              </a:ext>
+              <a:ext uri="{C183D7F6-B498-43B3-948B-1728B52AA6E4}">
+                <adec:decorative xmlns:adec="http://schemas.microsoft.com/office/drawing/2017/decorative" val="1"/>
+              </a:ext>
+            </a:extLst>
+          </p:cNvPr>
+          <p:cNvSpPr>
+            <a:spLocks noGrp="1" noRot="1" noChangeAspect="1" noMove="1" noResize="1" noEditPoints="1" noAdjustHandles="1" noChangeArrowheads="1" noChangeShapeType="1" noTextEdit="1"/>
+          </p:cNvSpPr>
+          <p:nvPr>
+            <p:extLst>
+              <p:ext uri="{386F3935-93C4-4BCD-93E2-E3B085C9AB24}">
+                <p16:designElem xmlns:p16="http://schemas.microsoft.com/office/powerpoint/2015/main" val="1"/>
+              </p:ext>
+            </p:extLst>
+          </p:nvPr>
+        </p:nvSpPr>
+        <p:spPr>
+          <a:xfrm flipH="1">
+            <a:off x="7976344" y="6115501"/>
+            <a:ext cx="1494513" cy="742499"/>
+          </a:xfrm>
+          <a:prstGeom prst="triangle">
+            <a:avLst/>
+          </a:prstGeom>
+          <a:solidFill>
+            <a:schemeClr val="accent1">
+              <a:alpha val="30000"/>
+            </a:schemeClr>
+          </a:solidFill>
+          <a:ln>
+            <a:noFill/>
+          </a:ln>
+        </p:spPr>
+        <p:style>
+          <a:lnRef idx="2">
+            <a:schemeClr val="accent1">
+              <a:shade val="50000"/>
+            </a:schemeClr>
+          </a:lnRef>
+          <a:fillRef idx="1">
+            <a:schemeClr val="accent1"/>
+          </a:fillRef>
+          <a:effectRef idx="0">
+            <a:schemeClr val="accent1"/>
+          </a:effectRef>
+          <a:fontRef idx="minor">
+            <a:schemeClr val="lt1"/>
+          </a:fontRef>
+        </p:style>
+        <p:txBody>
+          <a:bodyPr rtlCol="0" anchor="ctr"/>
+          <a:lstStyle/>
+          <a:p>
+            <a:pPr algn="ctr"/>
+            <a:endParaRPr lang="en-US"/>
+          </a:p>
+        </p:txBody>
+      </p:sp>
+      <p:pic>
+        <p:nvPicPr>
+          <p:cNvPr id="3" name="Picture 2">
+            <a:extLst>
+              <a:ext uri="{FF2B5EF4-FFF2-40B4-BE49-F238E27FC236}">
+                <a16:creationId xmlns:a16="http://schemas.microsoft.com/office/drawing/2014/main" id="{BFFB0FED-E486-F020-54FC-D2E486FFB833}"/>
+              </a:ext>
+            </a:extLst>
+          </p:cNvPr>
+          <p:cNvPicPr>
+            <a:picLocks noChangeAspect="1"/>
+          </p:cNvPicPr>
+          <p:nvPr/>
+        </p:nvPicPr>
+        <p:blipFill>
+          <a:blip r:embed="rId2"/>
+          <a:stretch>
+            <a:fillRect/>
+          </a:stretch>
+        </p:blipFill>
+        <p:spPr>
+          <a:xfrm>
+            <a:off x="1272567" y="643467"/>
+            <a:ext cx="9646866" cy="5571065"/>
+          </a:xfrm>
+          <a:prstGeom prst="rect">
+            <a:avLst/>
+          </a:prstGeom>
+          <a:ln>
+            <a:noFill/>
+          </a:ln>
+        </p:spPr>
+      </p:pic>
+      <p:sp>
+        <p:nvSpPr>
+          <p:cNvPr id="20" name="Isosceles Triangle 19">
+            <a:extLst>
+              <a:ext uri="{FF2B5EF4-FFF2-40B4-BE49-F238E27FC236}">
+                <a16:creationId xmlns:a16="http://schemas.microsoft.com/office/drawing/2014/main" id="{3ECA69A1-7536-43AC-85EF-C7106179F5ED}"/>
+              </a:ext>
+              <a:ext uri="{C183D7F6-B498-43B3-948B-1728B52AA6E4}">
+                <adec:decorative xmlns:adec="http://schemas.microsoft.com/office/drawing/2017/decorative" val="1"/>
+              </a:ext>
+            </a:extLst>
+          </p:cNvPr>
+          <p:cNvSpPr>
+            <a:spLocks noGrp="1" noRot="1" noChangeAspect="1" noMove="1" noResize="1" noEditPoints="1" noAdjustHandles="1" noChangeArrowheads="1" noChangeShapeType="1" noTextEdit="1"/>
+          </p:cNvSpPr>
+          <p:nvPr>
+            <p:extLst>
+              <p:ext uri="{386F3935-93C4-4BCD-93E2-E3B085C9AB24}">
+                <p16:designElem xmlns:p16="http://schemas.microsoft.com/office/powerpoint/2015/main" val="1"/>
+              </p:ext>
+            </p:extLst>
+          </p:nvPr>
+        </p:nvSpPr>
+        <p:spPr>
+          <a:xfrm flipH="1">
+            <a:off x="7604080" y="6453143"/>
+            <a:ext cx="814903" cy="404857"/>
+          </a:xfrm>
+          <a:prstGeom prst="triangle">
+            <a:avLst/>
+          </a:prstGeom>
+          <a:solidFill>
+            <a:schemeClr val="accent1">
+              <a:alpha val="30000"/>
+            </a:schemeClr>
+          </a:solidFill>
+          <a:ln>
+            <a:noFill/>
+          </a:ln>
+        </p:spPr>
+        <p:style>
+          <a:lnRef idx="2">
+            <a:schemeClr val="accent1">
+              <a:shade val="50000"/>
+            </a:schemeClr>
+          </a:lnRef>
+          <a:fillRef idx="1">
+            <a:schemeClr val="accent1"/>
+          </a:fillRef>
+          <a:effectRef idx="0">
+            <a:schemeClr val="accent1"/>
+          </a:effectRef>
+          <a:fontRef idx="minor">
+            <a:schemeClr val="lt1"/>
+          </a:fontRef>
+        </p:style>
+        <p:txBody>
+          <a:bodyPr rtlCol="0" anchor="ctr"/>
+          <a:lstStyle/>
+          <a:p>
+            <a:pPr algn="ctr"/>
+            <a:endParaRPr lang="en-US"/>
+          </a:p>
+        </p:txBody>
+      </p:sp>
+    </p:spTree>
+    <p:extLst>
+      <p:ext uri="{BB962C8B-B14F-4D97-AF65-F5344CB8AC3E}">
+        <p14:creationId xmlns:p14="http://schemas.microsoft.com/office/powerpoint/2010/main" val="902662205"/>
+      </p:ext>
+    </p:extLst>
+  </p:cSld>
+  <p:clrMapOvr>
+    <a:masterClrMapping/>
+  </p:clrMapOvr>
+</p:sld>
+</file>
+
+<file path=ppt/slides/slide15.xml><?xml version="1.0" encoding="utf-8"?>
 <p:sld xmlns:a="http://schemas.openxmlformats.org/drawingml/2006/main" xmlns:r="http://schemas.openxmlformats.org/officeDocument/2006/relationships" xmlns:p="http://schemas.openxmlformats.org/presentationml/2006/main">
   <p:cSld>
     <p:spTree>
@@ -8536,7 +10066,7 @@
 </p:sld>
 </file>
 
-<file path=ppt/slides/slide13.xml><?xml version="1.0" encoding="utf-8"?>
+<file path=ppt/slides/slide16.xml><?xml version="1.0" encoding="utf-8"?>
 <p:sld xmlns:a="http://schemas.openxmlformats.org/drawingml/2006/main" xmlns:r="http://schemas.openxmlformats.org/officeDocument/2006/relationships" xmlns:p="http://schemas.openxmlformats.org/presentationml/2006/main">
   <p:cSld>
     <p:spTree>
@@ -8553,40 +10083,84 @@
           <a:chExt cx="0" cy="0"/>
         </a:xfrm>
       </p:grpSpPr>
-      <p:pic>
-        <p:nvPicPr>
-          <p:cNvPr id="3" name="Picture 2">
+      <p:sp>
+        <p:nvSpPr>
+          <p:cNvPr id="2" name="Title 1">
             <a:extLst>
               <a:ext uri="{FF2B5EF4-FFF2-40B4-BE49-F238E27FC236}">
-                <a16:creationId xmlns:a16="http://schemas.microsoft.com/office/drawing/2014/main" id="{A4E9BFB5-656A-A7F5-146C-8803058BBC84}"/>
+                <a16:creationId xmlns:a16="http://schemas.microsoft.com/office/drawing/2014/main" id="{8F4D7CFB-C7D2-0461-3D6A-1DB63B79C841}"/>
               </a:ext>
             </a:extLst>
           </p:cNvPr>
-          <p:cNvPicPr>
-            <a:picLocks noChangeAspect="1"/>
-          </p:cNvPicPr>
-          <p:nvPr/>
-        </p:nvPicPr>
-        <p:blipFill>
-          <a:blip r:embed="rId2"/>
-          <a:stretch>
-            <a:fillRect/>
-          </a:stretch>
-        </p:blipFill>
+          <p:cNvSpPr>
+            <a:spLocks noGrp="1"/>
+          </p:cNvSpPr>
+          <p:nvPr>
+            <p:ph type="ctrTitle"/>
+          </p:nvPr>
+        </p:nvSpPr>
         <p:spPr>
           <a:xfrm>
-            <a:off x="504391" y="775854"/>
-            <a:ext cx="9077325" cy="5146098"/>
+            <a:off x="1524000" y="1122363"/>
+            <a:ext cx="9144000" cy="1346517"/>
           </a:xfrm>
-          <a:prstGeom prst="rect">
-            <a:avLst/>
-          </a:prstGeom>
         </p:spPr>
-      </p:pic>
+        <p:txBody>
+          <a:bodyPr/>
+          <a:lstStyle/>
+          <a:p>
+            <a:r>
+              <a:rPr lang="en-US" dirty="0"/>
+              <a:t>Conclusion</a:t>
+            </a:r>
+          </a:p>
+        </p:txBody>
+      </p:sp>
+      <p:sp>
+        <p:nvSpPr>
+          <p:cNvPr id="3" name="Subtitle 2">
+            <a:extLst>
+              <a:ext uri="{FF2B5EF4-FFF2-40B4-BE49-F238E27FC236}">
+                <a16:creationId xmlns:a16="http://schemas.microsoft.com/office/drawing/2014/main" id="{D1B1ED35-51A2-0702-6794-9C7ECFC5AC93}"/>
+              </a:ext>
+            </a:extLst>
+          </p:cNvPr>
+          <p:cNvSpPr>
+            <a:spLocks noGrp="1"/>
+          </p:cNvSpPr>
+          <p:nvPr>
+            <p:ph type="subTitle" idx="1"/>
+          </p:nvPr>
+        </p:nvSpPr>
+        <p:spPr>
+          <a:xfrm>
+            <a:off x="1524000" y="2710543"/>
+            <a:ext cx="9144000" cy="2547257"/>
+          </a:xfrm>
+        </p:spPr>
+        <p:txBody>
+          <a:bodyPr>
+            <a:normAutofit fontScale="92500" lnSpcReduction="20000"/>
+          </a:bodyPr>
+          <a:lstStyle/>
+          <a:p>
+            <a:r>
+              <a:rPr lang="en-US" dirty="0"/>
+              <a:t>The magnitude of the tariffs cannot totally be recognized at this time. However, the impact is sure to be noticeable amongst some of the world’s top exporters and import. The long-term implications of tariff policies on international trade and port activity could mean higher costs of goods and lost jobs.</a:t>
+            </a:r>
+          </a:p>
+          <a:p>
+            <a:r>
+              <a:rPr lang="en-US" dirty="0"/>
+              <a:t>From the vantage point of the United States, onshoring of products is a necessity as it is lagging in its exports in comparison to countries such as Australia and China. Future trade relationship will be tested if said tariffs take affect.</a:t>
+            </a:r>
+          </a:p>
+        </p:txBody>
+      </p:sp>
     </p:spTree>
     <p:extLst>
       <p:ext uri="{BB962C8B-B14F-4D97-AF65-F5344CB8AC3E}">
-        <p14:creationId xmlns:p14="http://schemas.microsoft.com/office/powerpoint/2010/main" val="1438356459"/>
+        <p14:creationId xmlns:p14="http://schemas.microsoft.com/office/powerpoint/2010/main" val="383370438"/>
       </p:ext>
     </p:extLst>
   </p:cSld>
@@ -8596,487 +10170,7 @@
 </p:sld>
 </file>
 
-<file path=ppt/slides/slide14.xml><?xml version="1.0" encoding="utf-8"?>
-<p:sld xmlns:a="http://schemas.openxmlformats.org/drawingml/2006/main" xmlns:r="http://schemas.openxmlformats.org/officeDocument/2006/relationships" xmlns:p="http://schemas.openxmlformats.org/presentationml/2006/main">
-  <p:cSld>
-    <p:bg>
-      <p:bgPr>
-        <a:solidFill>
-          <a:schemeClr val="bg1"/>
-        </a:solidFill>
-        <a:effectLst/>
-      </p:bgPr>
-    </p:bg>
-    <p:spTree>
-      <p:nvGrpSpPr>
-        <p:cNvPr id="1" name=""/>
-        <p:cNvGrpSpPr/>
-        <p:nvPr/>
-      </p:nvGrpSpPr>
-      <p:grpSpPr>
-        <a:xfrm>
-          <a:off x="0" y="0"/>
-          <a:ext cx="0" cy="0"/>
-          <a:chOff x="0" y="0"/>
-          <a:chExt cx="0" cy="0"/>
-        </a:xfrm>
-      </p:grpSpPr>
-      <p:sp useBgFill="1">
-        <p:nvSpPr>
-          <p:cNvPr id="8" name="Rectangle 7">
-            <a:extLst>
-              <a:ext uri="{FF2B5EF4-FFF2-40B4-BE49-F238E27FC236}">
-                <a16:creationId xmlns:a16="http://schemas.microsoft.com/office/drawing/2014/main" id="{DBF61EA3-B236-439E-9C0B-340980D56BEE}"/>
-              </a:ext>
-              <a:ext uri="{C183D7F6-B498-43B3-948B-1728B52AA6E4}">
-                <adec:decorative xmlns:adec="http://schemas.microsoft.com/office/drawing/2017/decorative" val="1"/>
-              </a:ext>
-            </a:extLst>
-          </p:cNvPr>
-          <p:cNvSpPr>
-            <a:spLocks noGrp="1" noRot="1" noChangeAspect="1" noMove="1" noResize="1" noEditPoints="1" noAdjustHandles="1" noChangeArrowheads="1" noChangeShapeType="1" noTextEdit="1"/>
-          </p:cNvSpPr>
-          <p:nvPr>
-            <p:extLst>
-              <p:ext uri="{386F3935-93C4-4BCD-93E2-E3B085C9AB24}">
-                <p16:designElem xmlns:p16="http://schemas.microsoft.com/office/powerpoint/2015/main" val="1"/>
-              </p:ext>
-            </p:extLst>
-          </p:nvPr>
-        </p:nvSpPr>
-        <p:spPr>
-          <a:xfrm>
-            <a:off x="0" y="0"/>
-            <a:ext cx="12191999" cy="6857365"/>
-          </a:xfrm>
-          <a:prstGeom prst="rect">
-            <a:avLst/>
-          </a:prstGeom>
-          <a:ln>
-            <a:noFill/>
-          </a:ln>
-        </p:spPr>
-        <p:style>
-          <a:lnRef idx="2">
-            <a:schemeClr val="accent1">
-              <a:shade val="50000"/>
-            </a:schemeClr>
-          </a:lnRef>
-          <a:fillRef idx="1">
-            <a:schemeClr val="accent1"/>
-          </a:fillRef>
-          <a:effectRef idx="0">
-            <a:schemeClr val="accent1"/>
-          </a:effectRef>
-          <a:fontRef idx="minor">
-            <a:schemeClr val="lt1"/>
-          </a:fontRef>
-        </p:style>
-        <p:txBody>
-          <a:bodyPr rtlCol="0" anchor="ctr"/>
-          <a:lstStyle/>
-          <a:p>
-            <a:pPr algn="ctr"/>
-            <a:endParaRPr lang="en-US"/>
-          </a:p>
-        </p:txBody>
-      </p:sp>
-      <p:sp>
-        <p:nvSpPr>
-          <p:cNvPr id="2" name="Title 1">
-            <a:extLst>
-              <a:ext uri="{FF2B5EF4-FFF2-40B4-BE49-F238E27FC236}">
-                <a16:creationId xmlns:a16="http://schemas.microsoft.com/office/drawing/2014/main" id="{326FDA16-5799-A4FF-800D-41D5F2039067}"/>
-              </a:ext>
-            </a:extLst>
-          </p:cNvPr>
-          <p:cNvSpPr txBox="1">
-            <a:spLocks/>
-          </p:cNvSpPr>
-          <p:nvPr/>
-        </p:nvSpPr>
-        <p:spPr>
-          <a:xfrm>
-            <a:off x="808638" y="386930"/>
-            <a:ext cx="9236700" cy="1188950"/>
-          </a:xfrm>
-          <a:prstGeom prst="rect">
-            <a:avLst/>
-          </a:prstGeom>
-        </p:spPr>
-        <p:txBody>
-          <a:bodyPr vert="horz" lIns="91440" tIns="45720" rIns="91440" bIns="45720" rtlCol="0" anchor="b">
-            <a:normAutofit/>
-          </a:bodyPr>
-          <a:lstStyle>
-            <a:lvl1pPr algn="l" defTabSz="914400" rtl="0" eaLnBrk="1" latinLnBrk="0" hangingPunct="1">
-              <a:lnSpc>
-                <a:spcPct val="90000"/>
-              </a:lnSpc>
-              <a:spcBef>
-                <a:spcPct val="0"/>
-              </a:spcBef>
-              <a:buNone/>
-              <a:defRPr sz="4800" kern="1200">
-                <a:solidFill>
-                  <a:schemeClr val="tx1"/>
-                </a:solidFill>
-                <a:latin typeface="+mj-lt"/>
-                <a:ea typeface="+mj-ea"/>
-                <a:cs typeface="+mj-cs"/>
-              </a:defRPr>
-            </a:lvl1pPr>
-          </a:lstStyle>
-          <a:p>
-            <a:pPr>
-              <a:spcAft>
-                <a:spcPts val="600"/>
-              </a:spcAft>
-            </a:pPr>
-            <a:r>
-              <a:rPr lang="en-US" sz="5400" kern="1200">
-                <a:solidFill>
-                  <a:schemeClr val="tx1"/>
-                </a:solidFill>
-                <a:latin typeface="+mj-lt"/>
-                <a:ea typeface="+mj-ea"/>
-                <a:cs typeface="+mj-cs"/>
-              </a:rPr>
-              <a:t>Challenges</a:t>
-            </a:r>
-          </a:p>
-        </p:txBody>
-      </p:sp>
-      <p:grpSp>
-        <p:nvGrpSpPr>
-          <p:cNvPr id="10" name="Group 9">
-            <a:extLst>
-              <a:ext uri="{FF2B5EF4-FFF2-40B4-BE49-F238E27FC236}">
-                <a16:creationId xmlns:a16="http://schemas.microsoft.com/office/drawing/2014/main" id="{28FAF094-D087-493F-8DF9-A486C2D6BBAA}"/>
-              </a:ext>
-              <a:ext uri="{C183D7F6-B498-43B3-948B-1728B52AA6E4}">
-                <adec:decorative xmlns:adec="http://schemas.microsoft.com/office/drawing/2017/decorative" val="1"/>
-              </a:ext>
-            </a:extLst>
-          </p:cNvPr>
-          <p:cNvGrpSpPr>
-            <a:grpSpLocks noGrp="1" noUngrp="1" noRot="1" noChangeAspect="1" noMove="1" noResize="1"/>
-          </p:cNvGrpSpPr>
-          <p:nvPr>
-            <p:extLst>
-              <p:ext uri="{386F3935-93C4-4BCD-93E2-E3B085C9AB24}">
-                <p16:designElem xmlns:p16="http://schemas.microsoft.com/office/powerpoint/2015/main" val="1"/>
-              </p:ext>
-            </p:extLst>
-          </p:nvPr>
-        </p:nvGrpSpPr>
-        <p:grpSpPr>
-          <a:xfrm>
-            <a:off x="-2" y="1998368"/>
-            <a:ext cx="11695083" cy="782176"/>
-            <a:chOff x="-2" y="1998368"/>
-            <a:chExt cx="11695083" cy="782176"/>
-          </a:xfrm>
-        </p:grpSpPr>
-        <p:sp>
-          <p:nvSpPr>
-            <p:cNvPr id="11" name="Rectangle 10">
-              <a:extLst>
-                <a:ext uri="{FF2B5EF4-FFF2-40B4-BE49-F238E27FC236}">
-                  <a16:creationId xmlns:a16="http://schemas.microsoft.com/office/drawing/2014/main" id="{8D7C88D8-5509-4514-925A-9CE148E5CBD6}"/>
-                </a:ext>
-                <a:ext uri="{C183D7F6-B498-43B3-948B-1728B52AA6E4}">
-                  <adec:decorative xmlns:adec="http://schemas.microsoft.com/office/drawing/2017/decorative" val="1"/>
-                </a:ext>
-              </a:extLst>
-            </p:cNvPr>
-            <p:cNvSpPr/>
-            <p:nvPr>
-              <p:extLst>
-                <p:ext uri="{386F3935-93C4-4BCD-93E2-E3B085C9AB24}">
-                  <p16:designElem xmlns:p16="http://schemas.microsoft.com/office/powerpoint/2015/main" val="1"/>
-                </p:ext>
-              </p:extLst>
-            </p:nvPr>
-          </p:nvSpPr>
-          <p:spPr>
-            <a:xfrm rot="5400000">
-              <a:off x="11228040" y="2313027"/>
-              <a:ext cx="781700" cy="152382"/>
-            </a:xfrm>
-            <a:prstGeom prst="rect">
-              <a:avLst/>
-            </a:prstGeom>
-            <a:solidFill>
-              <a:schemeClr val="accent4"/>
-            </a:solidFill>
-            <a:ln>
-              <a:noFill/>
-            </a:ln>
-          </p:spPr>
-          <p:style>
-            <a:lnRef idx="2">
-              <a:schemeClr val="accent1">
-                <a:shade val="50000"/>
-              </a:schemeClr>
-            </a:lnRef>
-            <a:fillRef idx="1">
-              <a:schemeClr val="accent1"/>
-            </a:fillRef>
-            <a:effectRef idx="0">
-              <a:schemeClr val="accent1"/>
-            </a:effectRef>
-            <a:fontRef idx="minor">
-              <a:schemeClr val="lt1"/>
-            </a:fontRef>
-          </p:style>
-          <p:txBody>
-            <a:bodyPr rtlCol="0" anchor="ctr"/>
-            <a:lstStyle/>
-            <a:p>
-              <a:pPr algn="ctr"/>
-              <a:endParaRPr lang="en-US"/>
-            </a:p>
-          </p:txBody>
-        </p:sp>
-        <p:sp>
-          <p:nvSpPr>
-            <p:cNvPr id="12" name="Rectangle 11">
-              <a:extLst>
-                <a:ext uri="{FF2B5EF4-FFF2-40B4-BE49-F238E27FC236}">
-                  <a16:creationId xmlns:a16="http://schemas.microsoft.com/office/drawing/2014/main" id="{7275593D-F75E-4426-AE3E-2CDEFD228D25}"/>
-                </a:ext>
-                <a:ext uri="{C183D7F6-B498-43B3-948B-1728B52AA6E4}">
-                  <adec:decorative xmlns:adec="http://schemas.microsoft.com/office/drawing/2017/decorative" val="1"/>
-                </a:ext>
-              </a:extLst>
-            </p:cNvPr>
-            <p:cNvSpPr/>
-            <p:nvPr>
-              <p:extLst>
-                <p:ext uri="{386F3935-93C4-4BCD-93E2-E3B085C9AB24}">
-                  <p16:designElem xmlns:p16="http://schemas.microsoft.com/office/powerpoint/2015/main" val="1"/>
-                </p:ext>
-              </p:extLst>
-            </p:nvPr>
-          </p:nvSpPr>
-          <p:spPr>
-            <a:xfrm flipH="1" flipV="1">
-              <a:off x="-2" y="1998845"/>
-              <a:ext cx="11454595" cy="781699"/>
-            </a:xfrm>
-            <a:prstGeom prst="rect">
-              <a:avLst/>
-            </a:prstGeom>
-            <a:solidFill>
-              <a:schemeClr val="accent4"/>
-            </a:solidFill>
-            <a:ln>
-              <a:noFill/>
-            </a:ln>
-          </p:spPr>
-          <p:style>
-            <a:lnRef idx="2">
-              <a:schemeClr val="accent1">
-                <a:shade val="50000"/>
-              </a:schemeClr>
-            </a:lnRef>
-            <a:fillRef idx="1">
-              <a:schemeClr val="accent1"/>
-            </a:fillRef>
-            <a:effectRef idx="0">
-              <a:schemeClr val="accent1"/>
-            </a:effectRef>
-            <a:fontRef idx="minor">
-              <a:schemeClr val="lt1"/>
-            </a:fontRef>
-          </p:style>
-          <p:txBody>
-            <a:bodyPr rtlCol="0" anchor="ctr"/>
-            <a:lstStyle/>
-            <a:p>
-              <a:pPr algn="ctr"/>
-              <a:endParaRPr lang="en-US"/>
-            </a:p>
-          </p:txBody>
-        </p:sp>
-      </p:grpSp>
-      <p:sp>
-        <p:nvSpPr>
-          <p:cNvPr id="14" name="Rectangle 13">
-            <a:extLst>
-              <a:ext uri="{FF2B5EF4-FFF2-40B4-BE49-F238E27FC236}">
-                <a16:creationId xmlns:a16="http://schemas.microsoft.com/office/drawing/2014/main" id="{E659831F-0D9A-4C63-9EBB-8435B85A440F}"/>
-              </a:ext>
-              <a:ext uri="{C183D7F6-B498-43B3-948B-1728B52AA6E4}">
-                <adec:decorative xmlns:adec="http://schemas.microsoft.com/office/drawing/2017/decorative" val="1"/>
-              </a:ext>
-            </a:extLst>
-          </p:cNvPr>
-          <p:cNvSpPr>
-            <a:spLocks noGrp="1" noRot="1" noChangeAspect="1" noMove="1" noResize="1" noEditPoints="1" noAdjustHandles="1" noChangeArrowheads="1" noChangeShapeType="1" noTextEdit="1"/>
-          </p:cNvSpPr>
-          <p:nvPr>
-            <p:extLst>
-              <p:ext uri="{386F3935-93C4-4BCD-93E2-E3B085C9AB24}">
-                <p16:designElem xmlns:p16="http://schemas.microsoft.com/office/powerpoint/2015/main" val="1"/>
-              </p:ext>
-            </p:extLst>
-          </p:nvPr>
-        </p:nvSpPr>
-        <p:spPr>
-          <a:xfrm>
-            <a:off x="0" y="2203079"/>
-            <a:ext cx="11383362" cy="4147845"/>
-          </a:xfrm>
-          <a:prstGeom prst="rect">
-            <a:avLst/>
-          </a:prstGeom>
-          <a:solidFill>
-            <a:schemeClr val="bg1"/>
-          </a:solidFill>
-          <a:ln>
-            <a:noFill/>
-          </a:ln>
-          <a:effectLst>
-            <a:outerShdw blurRad="139700" dist="127000" dir="5400000" algn="t" rotWithShape="0">
-              <a:prstClr val="black">
-                <a:alpha val="15000"/>
-              </a:prstClr>
-            </a:outerShdw>
-          </a:effectLst>
-        </p:spPr>
-        <p:style>
-          <a:lnRef idx="2">
-            <a:schemeClr val="accent1">
-              <a:shade val="50000"/>
-            </a:schemeClr>
-          </a:lnRef>
-          <a:fillRef idx="1">
-            <a:schemeClr val="accent1"/>
-          </a:fillRef>
-          <a:effectRef idx="0">
-            <a:schemeClr val="accent1"/>
-          </a:effectRef>
-          <a:fontRef idx="minor">
-            <a:schemeClr val="lt1"/>
-          </a:fontRef>
-        </p:style>
-        <p:txBody>
-          <a:bodyPr rtlCol="0" anchor="ctr"/>
-          <a:lstStyle/>
-          <a:p>
-            <a:pPr algn="ctr"/>
-            <a:endParaRPr lang="en-US"/>
-          </a:p>
-        </p:txBody>
-      </p:sp>
-      <p:sp>
-        <p:nvSpPr>
-          <p:cNvPr id="3" name="TextBox 2">
-            <a:extLst>
-              <a:ext uri="{FF2B5EF4-FFF2-40B4-BE49-F238E27FC236}">
-                <a16:creationId xmlns:a16="http://schemas.microsoft.com/office/drawing/2014/main" id="{7C9326B5-A508-FFFA-40CE-47A1B5342F5A}"/>
-              </a:ext>
-            </a:extLst>
-          </p:cNvPr>
-          <p:cNvSpPr txBox="1"/>
-          <p:nvPr/>
-        </p:nvSpPr>
-        <p:spPr>
-          <a:xfrm>
-            <a:off x="793660" y="2599509"/>
-            <a:ext cx="10143668" cy="3435531"/>
-          </a:xfrm>
-          <a:prstGeom prst="rect">
-            <a:avLst/>
-          </a:prstGeom>
-        </p:spPr>
-        <p:txBody>
-          <a:bodyPr vert="horz" lIns="91440" tIns="45720" rIns="91440" bIns="45720" rtlCol="0" anchor="ctr">
-            <a:normAutofit/>
-          </a:bodyPr>
-          <a:lstStyle/>
-          <a:p>
-            <a:pPr marL="285750" indent="-228600">
-              <a:lnSpc>
-                <a:spcPct val="90000"/>
-              </a:lnSpc>
-              <a:spcAft>
-                <a:spcPts val="600"/>
-              </a:spcAft>
-              <a:buFont typeface="Arial" panose="020B0604020202020204" pitchFamily="34" charset="0"/>
-              <a:buChar char="•"/>
-            </a:pPr>
-            <a:r>
-              <a:rPr lang="en-US" sz="2400" dirty="0"/>
-              <a:t>Had to pivot on the project topic several times due to data availability issues.</a:t>
-            </a:r>
-          </a:p>
-          <a:p>
-            <a:pPr marL="285750" indent="-228600">
-              <a:lnSpc>
-                <a:spcPct val="90000"/>
-              </a:lnSpc>
-              <a:spcAft>
-                <a:spcPts val="600"/>
-              </a:spcAft>
-              <a:buFont typeface="Arial" panose="020B0604020202020204" pitchFamily="34" charset="0"/>
-              <a:buChar char="•"/>
-            </a:pPr>
-            <a:r>
-              <a:rPr lang="en-US" sz="2400" dirty="0"/>
-              <a:t>Dataset was too large for my device which prevented certain visualizations.</a:t>
-            </a:r>
-          </a:p>
-          <a:p>
-            <a:pPr marL="285750" indent="-228600">
-              <a:lnSpc>
-                <a:spcPct val="90000"/>
-              </a:lnSpc>
-              <a:spcAft>
-                <a:spcPts val="600"/>
-              </a:spcAft>
-              <a:buFont typeface="Arial" panose="020B0604020202020204" pitchFamily="34" charset="0"/>
-              <a:buChar char="•"/>
-            </a:pPr>
-            <a:r>
-              <a:rPr lang="en-US" sz="2400" dirty="0"/>
-              <a:t> Had to select less sophisticated visualizations due to needed data attributes were unavailable for certain visuals</a:t>
-            </a:r>
-          </a:p>
-          <a:p>
-            <a:pPr marL="285750" indent="-228600">
-              <a:lnSpc>
-                <a:spcPct val="90000"/>
-              </a:lnSpc>
-              <a:spcAft>
-                <a:spcPts val="600"/>
-              </a:spcAft>
-              <a:buFont typeface="Arial" panose="020B0604020202020204" pitchFamily="34" charset="0"/>
-              <a:buChar char="•"/>
-            </a:pPr>
-            <a:r>
-              <a:rPr lang="en-US" sz="2400" dirty="0"/>
-              <a:t>Consolidating this topic into feasible presentation length</a:t>
-            </a:r>
-          </a:p>
-        </p:txBody>
-      </p:sp>
-    </p:spTree>
-    <p:extLst>
-      <p:ext uri="{BB962C8B-B14F-4D97-AF65-F5344CB8AC3E}">
-        <p14:creationId xmlns:p14="http://schemas.microsoft.com/office/powerpoint/2010/main" val="290897500"/>
-      </p:ext>
-    </p:extLst>
-  </p:cSld>
-  <p:clrMapOvr>
-    <a:masterClrMapping/>
-  </p:clrMapOvr>
-</p:sld>
-</file>
-
-<file path=ppt/slides/slide15.xml><?xml version="1.0" encoding="utf-8"?>
+<file path=ppt/slides/slide17.xml><?xml version="1.0" encoding="utf-8"?>
 <p:sld xmlns:a="http://schemas.openxmlformats.org/drawingml/2006/main" xmlns:r="http://schemas.openxmlformats.org/officeDocument/2006/relationships" xmlns:p="http://schemas.openxmlformats.org/presentationml/2006/main">
   <p:cSld>
     <p:bg>
@@ -9701,7 +10795,487 @@
 </p:sld>
 </file>
 
-<file path=ppt/slides/slide16.xml><?xml version="1.0" encoding="utf-8"?>
+<file path=ppt/slides/slide18.xml><?xml version="1.0" encoding="utf-8"?>
+<p:sld xmlns:a="http://schemas.openxmlformats.org/drawingml/2006/main" xmlns:r="http://schemas.openxmlformats.org/officeDocument/2006/relationships" xmlns:p="http://schemas.openxmlformats.org/presentationml/2006/main">
+  <p:cSld>
+    <p:bg>
+      <p:bgPr>
+        <a:solidFill>
+          <a:schemeClr val="bg1"/>
+        </a:solidFill>
+        <a:effectLst/>
+      </p:bgPr>
+    </p:bg>
+    <p:spTree>
+      <p:nvGrpSpPr>
+        <p:cNvPr id="1" name=""/>
+        <p:cNvGrpSpPr/>
+        <p:nvPr/>
+      </p:nvGrpSpPr>
+      <p:grpSpPr>
+        <a:xfrm>
+          <a:off x="0" y="0"/>
+          <a:ext cx="0" cy="0"/>
+          <a:chOff x="0" y="0"/>
+          <a:chExt cx="0" cy="0"/>
+        </a:xfrm>
+      </p:grpSpPr>
+      <p:sp useBgFill="1">
+        <p:nvSpPr>
+          <p:cNvPr id="8" name="Rectangle 7">
+            <a:extLst>
+              <a:ext uri="{FF2B5EF4-FFF2-40B4-BE49-F238E27FC236}">
+                <a16:creationId xmlns:a16="http://schemas.microsoft.com/office/drawing/2014/main" id="{DBF61EA3-B236-439E-9C0B-340980D56BEE}"/>
+              </a:ext>
+              <a:ext uri="{C183D7F6-B498-43B3-948B-1728B52AA6E4}">
+                <adec:decorative xmlns:adec="http://schemas.microsoft.com/office/drawing/2017/decorative" val="1"/>
+              </a:ext>
+            </a:extLst>
+          </p:cNvPr>
+          <p:cNvSpPr>
+            <a:spLocks noGrp="1" noRot="1" noChangeAspect="1" noMove="1" noResize="1" noEditPoints="1" noAdjustHandles="1" noChangeArrowheads="1" noChangeShapeType="1" noTextEdit="1"/>
+          </p:cNvSpPr>
+          <p:nvPr>
+            <p:extLst>
+              <p:ext uri="{386F3935-93C4-4BCD-93E2-E3B085C9AB24}">
+                <p16:designElem xmlns:p16="http://schemas.microsoft.com/office/powerpoint/2015/main" val="1"/>
+              </p:ext>
+            </p:extLst>
+          </p:nvPr>
+        </p:nvSpPr>
+        <p:spPr>
+          <a:xfrm>
+            <a:off x="0" y="0"/>
+            <a:ext cx="12191999" cy="6857365"/>
+          </a:xfrm>
+          <a:prstGeom prst="rect">
+            <a:avLst/>
+          </a:prstGeom>
+          <a:ln>
+            <a:noFill/>
+          </a:ln>
+        </p:spPr>
+        <p:style>
+          <a:lnRef idx="2">
+            <a:schemeClr val="accent1">
+              <a:shade val="50000"/>
+            </a:schemeClr>
+          </a:lnRef>
+          <a:fillRef idx="1">
+            <a:schemeClr val="accent1"/>
+          </a:fillRef>
+          <a:effectRef idx="0">
+            <a:schemeClr val="accent1"/>
+          </a:effectRef>
+          <a:fontRef idx="minor">
+            <a:schemeClr val="lt1"/>
+          </a:fontRef>
+        </p:style>
+        <p:txBody>
+          <a:bodyPr rtlCol="0" anchor="ctr"/>
+          <a:lstStyle/>
+          <a:p>
+            <a:pPr algn="ctr"/>
+            <a:endParaRPr lang="en-US"/>
+          </a:p>
+        </p:txBody>
+      </p:sp>
+      <p:sp>
+        <p:nvSpPr>
+          <p:cNvPr id="2" name="Title 1">
+            <a:extLst>
+              <a:ext uri="{FF2B5EF4-FFF2-40B4-BE49-F238E27FC236}">
+                <a16:creationId xmlns:a16="http://schemas.microsoft.com/office/drawing/2014/main" id="{326FDA16-5799-A4FF-800D-41D5F2039067}"/>
+              </a:ext>
+            </a:extLst>
+          </p:cNvPr>
+          <p:cNvSpPr txBox="1">
+            <a:spLocks/>
+          </p:cNvSpPr>
+          <p:nvPr/>
+        </p:nvSpPr>
+        <p:spPr>
+          <a:xfrm>
+            <a:off x="808638" y="386930"/>
+            <a:ext cx="9236700" cy="1188950"/>
+          </a:xfrm>
+          <a:prstGeom prst="rect">
+            <a:avLst/>
+          </a:prstGeom>
+        </p:spPr>
+        <p:txBody>
+          <a:bodyPr vert="horz" lIns="91440" tIns="45720" rIns="91440" bIns="45720" rtlCol="0" anchor="b">
+            <a:normAutofit/>
+          </a:bodyPr>
+          <a:lstStyle>
+            <a:lvl1pPr algn="l" defTabSz="914400" rtl="0" eaLnBrk="1" latinLnBrk="0" hangingPunct="1">
+              <a:lnSpc>
+                <a:spcPct val="90000"/>
+              </a:lnSpc>
+              <a:spcBef>
+                <a:spcPct val="0"/>
+              </a:spcBef>
+              <a:buNone/>
+              <a:defRPr sz="4800" kern="1200">
+                <a:solidFill>
+                  <a:schemeClr val="tx1"/>
+                </a:solidFill>
+                <a:latin typeface="+mj-lt"/>
+                <a:ea typeface="+mj-ea"/>
+                <a:cs typeface="+mj-cs"/>
+              </a:defRPr>
+            </a:lvl1pPr>
+          </a:lstStyle>
+          <a:p>
+            <a:pPr>
+              <a:spcAft>
+                <a:spcPts val="600"/>
+              </a:spcAft>
+            </a:pPr>
+            <a:r>
+              <a:rPr lang="en-US" sz="5400" kern="1200">
+                <a:solidFill>
+                  <a:schemeClr val="tx1"/>
+                </a:solidFill>
+                <a:latin typeface="+mj-lt"/>
+                <a:ea typeface="+mj-ea"/>
+                <a:cs typeface="+mj-cs"/>
+              </a:rPr>
+              <a:t>Challenges</a:t>
+            </a:r>
+          </a:p>
+        </p:txBody>
+      </p:sp>
+      <p:grpSp>
+        <p:nvGrpSpPr>
+          <p:cNvPr id="10" name="Group 9">
+            <a:extLst>
+              <a:ext uri="{FF2B5EF4-FFF2-40B4-BE49-F238E27FC236}">
+                <a16:creationId xmlns:a16="http://schemas.microsoft.com/office/drawing/2014/main" id="{28FAF094-D087-493F-8DF9-A486C2D6BBAA}"/>
+              </a:ext>
+              <a:ext uri="{C183D7F6-B498-43B3-948B-1728B52AA6E4}">
+                <adec:decorative xmlns:adec="http://schemas.microsoft.com/office/drawing/2017/decorative" val="1"/>
+              </a:ext>
+            </a:extLst>
+          </p:cNvPr>
+          <p:cNvGrpSpPr>
+            <a:grpSpLocks noGrp="1" noUngrp="1" noRot="1" noChangeAspect="1" noMove="1" noResize="1"/>
+          </p:cNvGrpSpPr>
+          <p:nvPr>
+            <p:extLst>
+              <p:ext uri="{386F3935-93C4-4BCD-93E2-E3B085C9AB24}">
+                <p16:designElem xmlns:p16="http://schemas.microsoft.com/office/powerpoint/2015/main" val="1"/>
+              </p:ext>
+            </p:extLst>
+          </p:nvPr>
+        </p:nvGrpSpPr>
+        <p:grpSpPr>
+          <a:xfrm>
+            <a:off x="-2" y="1998368"/>
+            <a:ext cx="11695083" cy="782176"/>
+            <a:chOff x="-2" y="1998368"/>
+            <a:chExt cx="11695083" cy="782176"/>
+          </a:xfrm>
+        </p:grpSpPr>
+        <p:sp>
+          <p:nvSpPr>
+            <p:cNvPr id="11" name="Rectangle 10">
+              <a:extLst>
+                <a:ext uri="{FF2B5EF4-FFF2-40B4-BE49-F238E27FC236}">
+                  <a16:creationId xmlns:a16="http://schemas.microsoft.com/office/drawing/2014/main" id="{8D7C88D8-5509-4514-925A-9CE148E5CBD6}"/>
+                </a:ext>
+                <a:ext uri="{C183D7F6-B498-43B3-948B-1728B52AA6E4}">
+                  <adec:decorative xmlns:adec="http://schemas.microsoft.com/office/drawing/2017/decorative" val="1"/>
+                </a:ext>
+              </a:extLst>
+            </p:cNvPr>
+            <p:cNvSpPr/>
+            <p:nvPr>
+              <p:extLst>
+                <p:ext uri="{386F3935-93C4-4BCD-93E2-E3B085C9AB24}">
+                  <p16:designElem xmlns:p16="http://schemas.microsoft.com/office/powerpoint/2015/main" val="1"/>
+                </p:ext>
+              </p:extLst>
+            </p:nvPr>
+          </p:nvSpPr>
+          <p:spPr>
+            <a:xfrm rot="5400000">
+              <a:off x="11228040" y="2313027"/>
+              <a:ext cx="781700" cy="152382"/>
+            </a:xfrm>
+            <a:prstGeom prst="rect">
+              <a:avLst/>
+            </a:prstGeom>
+            <a:solidFill>
+              <a:schemeClr val="accent4"/>
+            </a:solidFill>
+            <a:ln>
+              <a:noFill/>
+            </a:ln>
+          </p:spPr>
+          <p:style>
+            <a:lnRef idx="2">
+              <a:schemeClr val="accent1">
+                <a:shade val="50000"/>
+              </a:schemeClr>
+            </a:lnRef>
+            <a:fillRef idx="1">
+              <a:schemeClr val="accent1"/>
+            </a:fillRef>
+            <a:effectRef idx="0">
+              <a:schemeClr val="accent1"/>
+            </a:effectRef>
+            <a:fontRef idx="minor">
+              <a:schemeClr val="lt1"/>
+            </a:fontRef>
+          </p:style>
+          <p:txBody>
+            <a:bodyPr rtlCol="0" anchor="ctr"/>
+            <a:lstStyle/>
+            <a:p>
+              <a:pPr algn="ctr"/>
+              <a:endParaRPr lang="en-US"/>
+            </a:p>
+          </p:txBody>
+        </p:sp>
+        <p:sp>
+          <p:nvSpPr>
+            <p:cNvPr id="12" name="Rectangle 11">
+              <a:extLst>
+                <a:ext uri="{FF2B5EF4-FFF2-40B4-BE49-F238E27FC236}">
+                  <a16:creationId xmlns:a16="http://schemas.microsoft.com/office/drawing/2014/main" id="{7275593D-F75E-4426-AE3E-2CDEFD228D25}"/>
+                </a:ext>
+                <a:ext uri="{C183D7F6-B498-43B3-948B-1728B52AA6E4}">
+                  <adec:decorative xmlns:adec="http://schemas.microsoft.com/office/drawing/2017/decorative" val="1"/>
+                </a:ext>
+              </a:extLst>
+            </p:cNvPr>
+            <p:cNvSpPr/>
+            <p:nvPr>
+              <p:extLst>
+                <p:ext uri="{386F3935-93C4-4BCD-93E2-E3B085C9AB24}">
+                  <p16:designElem xmlns:p16="http://schemas.microsoft.com/office/powerpoint/2015/main" val="1"/>
+                </p:ext>
+              </p:extLst>
+            </p:nvPr>
+          </p:nvSpPr>
+          <p:spPr>
+            <a:xfrm flipH="1" flipV="1">
+              <a:off x="-2" y="1998845"/>
+              <a:ext cx="11454595" cy="781699"/>
+            </a:xfrm>
+            <a:prstGeom prst="rect">
+              <a:avLst/>
+            </a:prstGeom>
+            <a:solidFill>
+              <a:schemeClr val="accent4"/>
+            </a:solidFill>
+            <a:ln>
+              <a:noFill/>
+            </a:ln>
+          </p:spPr>
+          <p:style>
+            <a:lnRef idx="2">
+              <a:schemeClr val="accent1">
+                <a:shade val="50000"/>
+              </a:schemeClr>
+            </a:lnRef>
+            <a:fillRef idx="1">
+              <a:schemeClr val="accent1"/>
+            </a:fillRef>
+            <a:effectRef idx="0">
+              <a:schemeClr val="accent1"/>
+            </a:effectRef>
+            <a:fontRef idx="minor">
+              <a:schemeClr val="lt1"/>
+            </a:fontRef>
+          </p:style>
+          <p:txBody>
+            <a:bodyPr rtlCol="0" anchor="ctr"/>
+            <a:lstStyle/>
+            <a:p>
+              <a:pPr algn="ctr"/>
+              <a:endParaRPr lang="en-US"/>
+            </a:p>
+          </p:txBody>
+        </p:sp>
+      </p:grpSp>
+      <p:sp>
+        <p:nvSpPr>
+          <p:cNvPr id="14" name="Rectangle 13">
+            <a:extLst>
+              <a:ext uri="{FF2B5EF4-FFF2-40B4-BE49-F238E27FC236}">
+                <a16:creationId xmlns:a16="http://schemas.microsoft.com/office/drawing/2014/main" id="{E659831F-0D9A-4C63-9EBB-8435B85A440F}"/>
+              </a:ext>
+              <a:ext uri="{C183D7F6-B498-43B3-948B-1728B52AA6E4}">
+                <adec:decorative xmlns:adec="http://schemas.microsoft.com/office/drawing/2017/decorative" val="1"/>
+              </a:ext>
+            </a:extLst>
+          </p:cNvPr>
+          <p:cNvSpPr>
+            <a:spLocks noGrp="1" noRot="1" noChangeAspect="1" noMove="1" noResize="1" noEditPoints="1" noAdjustHandles="1" noChangeArrowheads="1" noChangeShapeType="1" noTextEdit="1"/>
+          </p:cNvSpPr>
+          <p:nvPr>
+            <p:extLst>
+              <p:ext uri="{386F3935-93C4-4BCD-93E2-E3B085C9AB24}">
+                <p16:designElem xmlns:p16="http://schemas.microsoft.com/office/powerpoint/2015/main" val="1"/>
+              </p:ext>
+            </p:extLst>
+          </p:nvPr>
+        </p:nvSpPr>
+        <p:spPr>
+          <a:xfrm>
+            <a:off x="0" y="2203079"/>
+            <a:ext cx="11383362" cy="4147845"/>
+          </a:xfrm>
+          <a:prstGeom prst="rect">
+            <a:avLst/>
+          </a:prstGeom>
+          <a:solidFill>
+            <a:schemeClr val="bg1"/>
+          </a:solidFill>
+          <a:ln>
+            <a:noFill/>
+          </a:ln>
+          <a:effectLst>
+            <a:outerShdw blurRad="139700" dist="127000" dir="5400000" algn="t" rotWithShape="0">
+              <a:prstClr val="black">
+                <a:alpha val="15000"/>
+              </a:prstClr>
+            </a:outerShdw>
+          </a:effectLst>
+        </p:spPr>
+        <p:style>
+          <a:lnRef idx="2">
+            <a:schemeClr val="accent1">
+              <a:shade val="50000"/>
+            </a:schemeClr>
+          </a:lnRef>
+          <a:fillRef idx="1">
+            <a:schemeClr val="accent1"/>
+          </a:fillRef>
+          <a:effectRef idx="0">
+            <a:schemeClr val="accent1"/>
+          </a:effectRef>
+          <a:fontRef idx="minor">
+            <a:schemeClr val="lt1"/>
+          </a:fontRef>
+        </p:style>
+        <p:txBody>
+          <a:bodyPr rtlCol="0" anchor="ctr"/>
+          <a:lstStyle/>
+          <a:p>
+            <a:pPr algn="ctr"/>
+            <a:endParaRPr lang="en-US"/>
+          </a:p>
+        </p:txBody>
+      </p:sp>
+      <p:sp>
+        <p:nvSpPr>
+          <p:cNvPr id="3" name="TextBox 2">
+            <a:extLst>
+              <a:ext uri="{FF2B5EF4-FFF2-40B4-BE49-F238E27FC236}">
+                <a16:creationId xmlns:a16="http://schemas.microsoft.com/office/drawing/2014/main" id="{7C9326B5-A508-FFFA-40CE-47A1B5342F5A}"/>
+              </a:ext>
+            </a:extLst>
+          </p:cNvPr>
+          <p:cNvSpPr txBox="1"/>
+          <p:nvPr/>
+        </p:nvSpPr>
+        <p:spPr>
+          <a:xfrm>
+            <a:off x="793660" y="2599509"/>
+            <a:ext cx="10143668" cy="3435531"/>
+          </a:xfrm>
+          <a:prstGeom prst="rect">
+            <a:avLst/>
+          </a:prstGeom>
+        </p:spPr>
+        <p:txBody>
+          <a:bodyPr vert="horz" lIns="91440" tIns="45720" rIns="91440" bIns="45720" rtlCol="0" anchor="ctr">
+            <a:normAutofit/>
+          </a:bodyPr>
+          <a:lstStyle/>
+          <a:p>
+            <a:pPr marL="285750" indent="-228600">
+              <a:lnSpc>
+                <a:spcPct val="90000"/>
+              </a:lnSpc>
+              <a:spcAft>
+                <a:spcPts val="600"/>
+              </a:spcAft>
+              <a:buFont typeface="Arial" panose="020B0604020202020204" pitchFamily="34" charset="0"/>
+              <a:buChar char="•"/>
+            </a:pPr>
+            <a:r>
+              <a:rPr lang="en-US" sz="2400" dirty="0"/>
+              <a:t>Had to pivot on the project topic several times due to data availability issues.</a:t>
+            </a:r>
+          </a:p>
+          <a:p>
+            <a:pPr marL="285750" indent="-228600">
+              <a:lnSpc>
+                <a:spcPct val="90000"/>
+              </a:lnSpc>
+              <a:spcAft>
+                <a:spcPts val="600"/>
+              </a:spcAft>
+              <a:buFont typeface="Arial" panose="020B0604020202020204" pitchFamily="34" charset="0"/>
+              <a:buChar char="•"/>
+            </a:pPr>
+            <a:r>
+              <a:rPr lang="en-US" sz="2400" dirty="0"/>
+              <a:t>Dataset was too large for my device which prevented certain visualizations.</a:t>
+            </a:r>
+          </a:p>
+          <a:p>
+            <a:pPr marL="285750" indent="-228600">
+              <a:lnSpc>
+                <a:spcPct val="90000"/>
+              </a:lnSpc>
+              <a:spcAft>
+                <a:spcPts val="600"/>
+              </a:spcAft>
+              <a:buFont typeface="Arial" panose="020B0604020202020204" pitchFamily="34" charset="0"/>
+              <a:buChar char="•"/>
+            </a:pPr>
+            <a:r>
+              <a:rPr lang="en-US" sz="2400" dirty="0"/>
+              <a:t> Had to select less sophisticated visualizations due to needed data attributes were unavailable for certain visuals</a:t>
+            </a:r>
+          </a:p>
+          <a:p>
+            <a:pPr marL="285750" indent="-228600">
+              <a:lnSpc>
+                <a:spcPct val="90000"/>
+              </a:lnSpc>
+              <a:spcAft>
+                <a:spcPts val="600"/>
+              </a:spcAft>
+              <a:buFont typeface="Arial" panose="020B0604020202020204" pitchFamily="34" charset="0"/>
+              <a:buChar char="•"/>
+            </a:pPr>
+            <a:r>
+              <a:rPr lang="en-US" sz="2400" dirty="0"/>
+              <a:t>Consolidating this topic into feasible presentation length</a:t>
+            </a:r>
+          </a:p>
+        </p:txBody>
+      </p:sp>
+    </p:spTree>
+    <p:extLst>
+      <p:ext uri="{BB962C8B-B14F-4D97-AF65-F5344CB8AC3E}">
+        <p14:creationId xmlns:p14="http://schemas.microsoft.com/office/powerpoint/2010/main" val="290897500"/>
+      </p:ext>
+    </p:extLst>
+  </p:cSld>
+  <p:clrMapOvr>
+    <a:masterClrMapping/>
+  </p:clrMapOvr>
+</p:sld>
+</file>
+
+<file path=ppt/slides/slide19.xml><?xml version="1.0" encoding="utf-8"?>
 <p:sld xmlns:a="http://schemas.openxmlformats.org/drawingml/2006/main" xmlns:r="http://schemas.openxmlformats.org/officeDocument/2006/relationships" xmlns:p="http://schemas.openxmlformats.org/presentationml/2006/main">
   <p:cSld>
     <p:bg>
@@ -10393,40 +11967,8 @@
                 <a:ea typeface="+mn-ea"/>
                 <a:cs typeface="+mn-cs"/>
               </a:rPr>
-              <a:t>Is to familiar with what countries are the top imports and exporters and get an intuitive sense of where goods become more expensive.</a:t>
+              <a:t>Is to become familiar with what countries are the top imports and exporters and get an intuitive sense of where goods could be more expensive.</a:t>
             </a:r>
-          </a:p>
-        </p:txBody>
-      </p:sp>
-      <p:sp>
-        <p:nvSpPr>
-          <p:cNvPr id="3" name="Subtitle 2">
-            <a:extLst>
-              <a:ext uri="{FF2B5EF4-FFF2-40B4-BE49-F238E27FC236}">
-                <a16:creationId xmlns:a16="http://schemas.microsoft.com/office/drawing/2014/main" id="{CC9F0593-92A1-3A75-B3F7-5B86949E5345}"/>
-              </a:ext>
-            </a:extLst>
-          </p:cNvPr>
-          <p:cNvSpPr>
-            <a:spLocks noGrp="1"/>
-          </p:cNvSpPr>
-          <p:nvPr>
-            <p:ph type="subTitle" idx="1"/>
-          </p:nvPr>
-        </p:nvSpPr>
-        <p:spPr>
-          <a:xfrm>
-            <a:off x="1524000" y="5514052"/>
-            <a:ext cx="9144000" cy="651910"/>
-          </a:xfrm>
-        </p:spPr>
-        <p:txBody>
-          <a:bodyPr anchor="ctr">
-            <a:normAutofit/>
-          </a:bodyPr>
-          <a:lstStyle/>
-          <a:p>
-            <a:endParaRPr lang="en-US" dirty="0"/>
           </a:p>
         </p:txBody>
       </p:sp>
@@ -10644,7 +12186,7 @@
           <a:p>
             <a:r>
               <a:rPr lang="en-US" dirty="0"/>
-              <a:t>Data Set Overview</a:t>
+              <a:t>EDA Data Set Overview</a:t>
             </a:r>
           </a:p>
         </p:txBody>
@@ -10668,7 +12210,7 @@
         <p:spPr>
           <a:xfrm>
             <a:off x="413656" y="1631722"/>
-            <a:ext cx="9700161" cy="3339811"/>
+            <a:ext cx="9700161" cy="4192135"/>
           </a:xfrm>
         </p:spPr>
         <p:txBody>
@@ -10772,37 +12314,38 @@
             <a:pPr lvl="0"/>
             <a:r>
               <a:rPr lang="en-US" dirty="0"/>
-              <a:t>Daily-Port-Activity-Data-and-Trade-Estimates obtain from Kaggle with a </a:t>
-            </a:r>
-            <a:r>
-              <a:rPr lang="en-US" dirty="0" err="1"/>
-              <a:t>focuson</a:t>
-            </a:r>
-            <a:r>
-              <a:rPr lang="en-US" dirty="0"/>
-              <a:t> activity between 2023 to 2024  to narrow the scope.</a:t>
+              <a:t>Daily-Port-Activity-Data-and-Trade-Estimates obtain from Kaggle with a focus on activity between 2023 to 2024  to narrow the scope.</a:t>
             </a:r>
           </a:p>
           <a:p>
             <a:pPr lvl="0"/>
             <a:r>
               <a:rPr lang="en-US" dirty="0"/>
-              <a:t>Variables and Significance</a:t>
+              <a:t>Variables used for KPI’s </a:t>
             </a:r>
           </a:p>
           <a:p>
-            <a:pPr lvl="1" algn="l"/>
             <a:r>
-              <a:rPr lang="en-US" sz="2000" dirty="0">
-                <a:solidFill>
-                  <a:schemeClr val="tx1"/>
-                </a:solidFill>
-              </a:rPr>
-              <a:t>	</a:t>
+              <a:rPr lang="en-US" sz="2000" dirty="0"/>
+              <a:t>        Exports</a:t>
             </a:r>
           </a:p>
           <a:p>
-            <a:pPr lvl="2"/>
+            <a:r>
+              <a:rPr lang="en-US" dirty="0"/>
+              <a:t>        Imports</a:t>
+            </a:r>
+          </a:p>
+          <a:p>
+            <a:r>
+              <a:rPr lang="en-US" dirty="0"/>
+              <a:t>        Countries</a:t>
+            </a:r>
+          </a:p>
+          <a:p>
+            <a:endParaRPr lang="en-US" dirty="0"/>
+          </a:p>
+          <a:p>
             <a:endParaRPr lang="en-US" sz="2000" dirty="0"/>
           </a:p>
           <a:p>
@@ -10827,7 +12370,7 @@
         </p:nvSpPr>
         <p:spPr>
           <a:xfrm>
-            <a:off x="-685800" y="3205018"/>
+            <a:off x="-305236" y="3396758"/>
             <a:ext cx="10515600" cy="895639"/>
           </a:xfrm>
           <a:prstGeom prst="rect">
@@ -10876,8 +12419,8 @@
         </p:nvSpPr>
         <p:spPr>
           <a:xfrm>
-            <a:off x="1279671" y="4183924"/>
-            <a:ext cx="6819900" cy="523220"/>
+            <a:off x="1718582" y="4564558"/>
+            <a:ext cx="6931641" cy="1323439"/>
           </a:xfrm>
           <a:prstGeom prst="rect">
             <a:avLst/>
@@ -10891,20 +12434,8 @@
           <a:lstStyle/>
           <a:p>
             <a:r>
-              <a:rPr lang="en-US" sz="2800" dirty="0"/>
-              <a:t>Original</a:t>
-            </a:r>
-            <a:r>
-              <a:rPr lang="en-US" dirty="0"/>
-              <a:t> </a:t>
-            </a:r>
-            <a:r>
-              <a:rPr lang="en-US" dirty="0" err="1"/>
-              <a:t>DataSet</a:t>
-            </a:r>
-            <a:r>
-              <a:rPr lang="en-US" dirty="0"/>
-              <a:t> provided 30 columns and 3,486,152 rows</a:t>
+              <a:rPr lang="en-US" sz="2000" dirty="0"/>
+              <a:t>The dataset provided 29 columns of varying port activity measurements. There was a generous number of observations with 3,486,152 rows total.  Additionally, the data captured daily activities for 180 countries and 1,620 ports. </a:t>
             </a:r>
           </a:p>
         </p:txBody>
@@ -11154,7 +12685,7 @@
         <p:spPr>
           <a:xfrm>
             <a:off x="838200" y="4454872"/>
-            <a:ext cx="6096000" cy="2031325"/>
+            <a:ext cx="6096000" cy="2308324"/>
           </a:xfrm>
           <a:prstGeom prst="rect">
             <a:avLst/>
@@ -11230,6 +12761,17 @@
             <a:r>
               <a:rPr lang="en-US" dirty="0" err="1"/>
               <a:t>Numpy</a:t>
+            </a:r>
+            <a:endParaRPr lang="en-US" dirty="0"/>
+          </a:p>
+          <a:p>
+            <a:pPr marL="1200150" lvl="2" indent="-285750">
+              <a:buFont typeface="Arial" panose="020B0604020202020204" pitchFamily="34" charset="0"/>
+              <a:buChar char="•"/>
+            </a:pPr>
+            <a:r>
+              <a:rPr lang="en-US" dirty="0" err="1"/>
+              <a:t>Scipy</a:t>
             </a:r>
             <a:endParaRPr lang="en-US" dirty="0"/>
           </a:p>
@@ -12994,7 +14536,7 @@
           <a:p>
             <a:r>
               <a:rPr lang="en-US" dirty="0"/>
-              <a:t>What Does the US Purchase form the Top Two Exporters</a:t>
+              <a:t>What Does the US Purchase from the Top Two Exporters</a:t>
             </a:r>
           </a:p>
         </p:txBody>
@@ -14943,6 +16485,46 @@
           </a:graphicData>
         </a:graphic>
       </p:graphicFrame>
+      <p:sp>
+        <p:nvSpPr>
+          <p:cNvPr id="2" name="TextBox 1">
+            <a:extLst>
+              <a:ext uri="{FF2B5EF4-FFF2-40B4-BE49-F238E27FC236}">
+                <a16:creationId xmlns:a16="http://schemas.microsoft.com/office/drawing/2014/main" id="{ADCA56AB-3D5C-0906-336B-0FB7FD49B32C}"/>
+              </a:ext>
+            </a:extLst>
+          </p:cNvPr>
+          <p:cNvSpPr txBox="1"/>
+          <p:nvPr/>
+        </p:nvSpPr>
+        <p:spPr>
+          <a:xfrm>
+            <a:off x="640080" y="2304288"/>
+            <a:ext cx="4684479" cy="923330"/>
+          </a:xfrm>
+          <a:prstGeom prst="rect">
+            <a:avLst/>
+          </a:prstGeom>
+          <a:noFill/>
+          <a:ln w="3175">
+            <a:solidFill>
+              <a:schemeClr val="tx1"/>
+            </a:solidFill>
+          </a:ln>
+        </p:spPr>
+        <p:txBody>
+          <a:bodyPr wrap="square" rtlCol="0">
+            <a:spAutoFit/>
+          </a:bodyPr>
+          <a:lstStyle/>
+          <a:p>
+            <a:r>
+              <a:rPr lang="en-US" dirty="0"/>
+              <a:t>This data was not apart of the project dataset. However, it is included to give peripheral context of the tariff influence.</a:t>
+            </a:r>
+          </a:p>
+        </p:txBody>
+      </p:sp>
     </p:spTree>
     <p:extLst>
       <p:ext uri="{BB962C8B-B14F-4D97-AF65-F5344CB8AC3E}">
